--- a/READ.pptx
+++ b/READ.pptx
@@ -6,10 +6,12 @@
   </p:sldMasterIdLst>
   <p:sldIdLst>
     <p:sldId id="256" r:id="rId2"/>
-    <p:sldId id="257" r:id="rId3"/>
-    <p:sldId id="258" r:id="rId4"/>
-    <p:sldId id="259" r:id="rId5"/>
-    <p:sldId id="260" r:id="rId6"/>
+    <p:sldId id="260" r:id="rId3"/>
+    <p:sldId id="261" r:id="rId4"/>
+    <p:sldId id="262" r:id="rId5"/>
+    <p:sldId id="263" r:id="rId6"/>
+    <p:sldId id="258" r:id="rId7"/>
+    <p:sldId id="257" r:id="rId8"/>
   </p:sldIdLst>
   <p:sldSz cx="12192000" cy="6858000"/>
   <p:notesSz cx="6858000" cy="9144000"/>
@@ -108,6 +110,11 @@
       </a:defRPr>
     </a:lvl9pPr>
   </p:defaultTextStyle>
+  <p:extLst>
+    <p:ext uri="{EFAFB233-063F-42B5-8137-9DF3F51BA10A}">
+      <p15:sldGuideLst xmlns:p15="http://schemas.microsoft.com/office/powerpoint/2012/main"/>
+    </p:ext>
+  </p:extLst>
 </p:presentation>
 </file>
 
@@ -258,7 +265,7 @@
           <a:p>
             <a:fld id="{BB907908-59CA-4E57-BDCF-0AFEC17AFD31}" type="datetimeFigureOut">
               <a:rPr lang="zh-CN" altLang="en-US" smtClean="0"/>
-              <a:t>2024-05-28</a:t>
+              <a:t>2024-05-29</a:t>
             </a:fld>
             <a:endParaRPr lang="zh-CN" altLang="en-US"/>
           </a:p>
@@ -456,7 +463,7 @@
           <a:p>
             <a:fld id="{BB907908-59CA-4E57-BDCF-0AFEC17AFD31}" type="datetimeFigureOut">
               <a:rPr lang="zh-CN" altLang="en-US" smtClean="0"/>
-              <a:t>2024-05-28</a:t>
+              <a:t>2024-05-29</a:t>
             </a:fld>
             <a:endParaRPr lang="zh-CN" altLang="en-US"/>
           </a:p>
@@ -664,7 +671,7 @@
           <a:p>
             <a:fld id="{BB907908-59CA-4E57-BDCF-0AFEC17AFD31}" type="datetimeFigureOut">
               <a:rPr lang="zh-CN" altLang="en-US" smtClean="0"/>
-              <a:t>2024-05-28</a:t>
+              <a:t>2024-05-29</a:t>
             </a:fld>
             <a:endParaRPr lang="zh-CN" altLang="en-US"/>
           </a:p>
@@ -862,7 +869,7 @@
           <a:p>
             <a:fld id="{BB907908-59CA-4E57-BDCF-0AFEC17AFD31}" type="datetimeFigureOut">
               <a:rPr lang="zh-CN" altLang="en-US" smtClean="0"/>
-              <a:t>2024-05-28</a:t>
+              <a:t>2024-05-29</a:t>
             </a:fld>
             <a:endParaRPr lang="zh-CN" altLang="en-US"/>
           </a:p>
@@ -1137,7 +1144,7 @@
           <a:p>
             <a:fld id="{BB907908-59CA-4E57-BDCF-0AFEC17AFD31}" type="datetimeFigureOut">
               <a:rPr lang="zh-CN" altLang="en-US" smtClean="0"/>
-              <a:t>2024-05-28</a:t>
+              <a:t>2024-05-29</a:t>
             </a:fld>
             <a:endParaRPr lang="zh-CN" altLang="en-US"/>
           </a:p>
@@ -1402,7 +1409,7 @@
           <a:p>
             <a:fld id="{BB907908-59CA-4E57-BDCF-0AFEC17AFD31}" type="datetimeFigureOut">
               <a:rPr lang="zh-CN" altLang="en-US" smtClean="0"/>
-              <a:t>2024-05-28</a:t>
+              <a:t>2024-05-29</a:t>
             </a:fld>
             <a:endParaRPr lang="zh-CN" altLang="en-US"/>
           </a:p>
@@ -1814,7 +1821,7 @@
           <a:p>
             <a:fld id="{BB907908-59CA-4E57-BDCF-0AFEC17AFD31}" type="datetimeFigureOut">
               <a:rPr lang="zh-CN" altLang="en-US" smtClean="0"/>
-              <a:t>2024-05-28</a:t>
+              <a:t>2024-05-29</a:t>
             </a:fld>
             <a:endParaRPr lang="zh-CN" altLang="en-US"/>
           </a:p>
@@ -1955,7 +1962,7 @@
           <a:p>
             <a:fld id="{BB907908-59CA-4E57-BDCF-0AFEC17AFD31}" type="datetimeFigureOut">
               <a:rPr lang="zh-CN" altLang="en-US" smtClean="0"/>
-              <a:t>2024-05-28</a:t>
+              <a:t>2024-05-29</a:t>
             </a:fld>
             <a:endParaRPr lang="zh-CN" altLang="en-US"/>
           </a:p>
@@ -2068,7 +2075,7 @@
           <a:p>
             <a:fld id="{BB907908-59CA-4E57-BDCF-0AFEC17AFD31}" type="datetimeFigureOut">
               <a:rPr lang="zh-CN" altLang="en-US" smtClean="0"/>
-              <a:t>2024-05-28</a:t>
+              <a:t>2024-05-29</a:t>
             </a:fld>
             <a:endParaRPr lang="zh-CN" altLang="en-US"/>
           </a:p>
@@ -2379,7 +2386,7 @@
           <a:p>
             <a:fld id="{BB907908-59CA-4E57-BDCF-0AFEC17AFD31}" type="datetimeFigureOut">
               <a:rPr lang="zh-CN" altLang="en-US" smtClean="0"/>
-              <a:t>2024-05-28</a:t>
+              <a:t>2024-05-29</a:t>
             </a:fld>
             <a:endParaRPr lang="zh-CN" altLang="en-US"/>
           </a:p>
@@ -2667,7 +2674,7 @@
           <a:p>
             <a:fld id="{BB907908-59CA-4E57-BDCF-0AFEC17AFD31}" type="datetimeFigureOut">
               <a:rPr lang="zh-CN" altLang="en-US" smtClean="0"/>
-              <a:t>2024-05-28</a:t>
+              <a:t>2024-05-29</a:t>
             </a:fld>
             <a:endParaRPr lang="zh-CN" altLang="en-US"/>
           </a:p>
@@ -2908,7 +2915,7 @@
           <a:p>
             <a:fld id="{BB907908-59CA-4E57-BDCF-0AFEC17AFD31}" type="datetimeFigureOut">
               <a:rPr lang="zh-CN" altLang="en-US" smtClean="0"/>
-              <a:t>2024-05-28</a:t>
+              <a:t>2024-05-29</a:t>
             </a:fld>
             <a:endParaRPr lang="zh-CN" altLang="en-US"/>
           </a:p>
@@ -3325,6 +3332,36 @@
           <a:chExt cx="0" cy="0"/>
         </a:xfrm>
       </p:grpSpPr>
+      <p:pic>
+        <p:nvPicPr>
+          <p:cNvPr id="8" name="图片 7">
+            <a:extLst>
+              <a:ext uri="{FF2B5EF4-FFF2-40B4-BE49-F238E27FC236}">
+                <a16:creationId xmlns:a16="http://schemas.microsoft.com/office/drawing/2014/main" id="{C445DE57-A1B8-2AB1-E659-749F2D5B5097}"/>
+              </a:ext>
+            </a:extLst>
+          </p:cNvPr>
+          <p:cNvPicPr>
+            <a:picLocks noChangeAspect="1"/>
+          </p:cNvPicPr>
+          <p:nvPr/>
+        </p:nvPicPr>
+        <p:blipFill>
+          <a:blip r:embed="rId2"/>
+          <a:stretch>
+            <a:fillRect/>
+          </a:stretch>
+        </p:blipFill>
+        <p:spPr>
+          <a:xfrm>
+            <a:off x="394129" y="1451468"/>
+            <a:ext cx="3893342" cy="2508211"/>
+          </a:xfrm>
+          <a:prstGeom prst="rect">
+            <a:avLst/>
+          </a:prstGeom>
+        </p:spPr>
+      </p:pic>
       <p:sp>
         <p:nvSpPr>
           <p:cNvPr id="4" name="文本框 3">
@@ -3340,7 +3377,7 @@
         <p:spPr>
           <a:xfrm>
             <a:off x="465364" y="457200"/>
-            <a:ext cx="4612822" cy="369332"/>
+            <a:ext cx="4612822" cy="923330"/>
           </a:xfrm>
           <a:prstGeom prst="rect">
             <a:avLst/>
@@ -3358,6 +3395,345 @@
               <a:t>模型说明</a:t>
             </a:r>
             <a:endParaRPr lang="en-US" altLang="zh-CN" dirty="0"/>
+          </a:p>
+          <a:p>
+            <a:pPr marL="342900" indent="-342900">
+              <a:buAutoNum type="arabicPeriod"/>
+            </a:pPr>
+            <a:r>
+              <a:rPr lang="zh-CN" altLang="en-US" b="1" dirty="0"/>
+              <a:t>删掉</a:t>
+            </a:r>
+            <a:r>
+              <a:rPr lang="en-US" altLang="zh-CN" b="1" dirty="0"/>
+              <a:t>Atten</a:t>
+            </a:r>
+          </a:p>
+          <a:p>
+            <a:pPr marL="342900" indent="-342900">
+              <a:buAutoNum type="arabicPeriod"/>
+            </a:pPr>
+            <a:r>
+              <a:rPr lang="zh-CN" altLang="en-US" dirty="0"/>
+              <a:t>表格里部分数据必须更新</a:t>
+            </a:r>
+            <a:endParaRPr lang="en-US" altLang="zh-CN" dirty="0"/>
+          </a:p>
+        </p:txBody>
+      </p:sp>
+      <p:sp>
+        <p:nvSpPr>
+          <p:cNvPr id="3" name="矩形 2">
+            <a:extLst>
+              <a:ext uri="{FF2B5EF4-FFF2-40B4-BE49-F238E27FC236}">
+                <a16:creationId xmlns:a16="http://schemas.microsoft.com/office/drawing/2014/main" id="{759FFBA1-0ACA-AF21-39F6-83CC26B8C6D5}"/>
+              </a:ext>
+            </a:extLst>
+          </p:cNvPr>
+          <p:cNvSpPr/>
+          <p:nvPr/>
+        </p:nvSpPr>
+        <p:spPr>
+          <a:xfrm>
+            <a:off x="801158" y="1947557"/>
+            <a:ext cx="2481943" cy="432707"/>
+          </a:xfrm>
+          <a:prstGeom prst="rect">
+            <a:avLst/>
+          </a:prstGeom>
+          <a:noFill/>
+          <a:ln w="38100">
+            <a:solidFill>
+              <a:srgbClr val="FF0000"/>
+            </a:solidFill>
+          </a:ln>
+        </p:spPr>
+        <p:style>
+          <a:lnRef idx="2">
+            <a:schemeClr val="accent1">
+              <a:shade val="15000"/>
+            </a:schemeClr>
+          </a:lnRef>
+          <a:fillRef idx="1">
+            <a:schemeClr val="accent1"/>
+          </a:fillRef>
+          <a:effectRef idx="0">
+            <a:schemeClr val="accent1"/>
+          </a:effectRef>
+          <a:fontRef idx="minor">
+            <a:schemeClr val="lt1"/>
+          </a:fontRef>
+        </p:style>
+        <p:txBody>
+          <a:bodyPr rtlCol="0" anchor="ctr"/>
+          <a:lstStyle/>
+          <a:p>
+            <a:pPr algn="ctr"/>
+            <a:endParaRPr lang="zh-CN" altLang="en-US"/>
+          </a:p>
+        </p:txBody>
+      </p:sp>
+      <p:sp>
+        <p:nvSpPr>
+          <p:cNvPr id="5" name="矩形 4">
+            <a:extLst>
+              <a:ext uri="{FF2B5EF4-FFF2-40B4-BE49-F238E27FC236}">
+                <a16:creationId xmlns:a16="http://schemas.microsoft.com/office/drawing/2014/main" id="{2BEE46FC-BB07-824E-8249-75FAF755C7D0}"/>
+              </a:ext>
+            </a:extLst>
+          </p:cNvPr>
+          <p:cNvSpPr/>
+          <p:nvPr/>
+        </p:nvSpPr>
+        <p:spPr>
+          <a:xfrm>
+            <a:off x="617764" y="3597910"/>
+            <a:ext cx="2481943" cy="432707"/>
+          </a:xfrm>
+          <a:prstGeom prst="rect">
+            <a:avLst/>
+          </a:prstGeom>
+          <a:noFill/>
+          <a:ln w="38100">
+            <a:solidFill>
+              <a:srgbClr val="FF0000"/>
+            </a:solidFill>
+          </a:ln>
+        </p:spPr>
+        <p:style>
+          <a:lnRef idx="2">
+            <a:schemeClr val="accent1">
+              <a:shade val="15000"/>
+            </a:schemeClr>
+          </a:lnRef>
+          <a:fillRef idx="1">
+            <a:schemeClr val="accent1"/>
+          </a:fillRef>
+          <a:effectRef idx="0">
+            <a:schemeClr val="accent1"/>
+          </a:effectRef>
+          <a:fontRef idx="minor">
+            <a:schemeClr val="lt1"/>
+          </a:fontRef>
+        </p:style>
+        <p:txBody>
+          <a:bodyPr rtlCol="0" anchor="ctr"/>
+          <a:lstStyle/>
+          <a:p>
+            <a:pPr algn="ctr"/>
+            <a:endParaRPr lang="zh-CN" altLang="en-US"/>
+          </a:p>
+        </p:txBody>
+      </p:sp>
+      <p:sp>
+        <p:nvSpPr>
+          <p:cNvPr id="6" name="文本框 5">
+            <a:extLst>
+              <a:ext uri="{FF2B5EF4-FFF2-40B4-BE49-F238E27FC236}">
+                <a16:creationId xmlns:a16="http://schemas.microsoft.com/office/drawing/2014/main" id="{83F28BA3-BF5D-8BF8-0898-61BA9EF5CF0B}"/>
+              </a:ext>
+            </a:extLst>
+          </p:cNvPr>
+          <p:cNvSpPr txBox="1"/>
+          <p:nvPr/>
+        </p:nvSpPr>
+        <p:spPr>
+          <a:xfrm>
+            <a:off x="2314877" y="3611330"/>
+            <a:ext cx="1569660" cy="369332"/>
+          </a:xfrm>
+          <a:prstGeom prst="rect">
+            <a:avLst/>
+          </a:prstGeom>
+          <a:noFill/>
+        </p:spPr>
+        <p:txBody>
+          <a:bodyPr wrap="none" rtlCol="0">
+            <a:spAutoFit/>
+          </a:bodyPr>
+          <a:lstStyle/>
+          <a:p>
+            <a:r>
+              <a:rPr lang="zh-CN" altLang="en-US" dirty="0">
+                <a:solidFill>
+                  <a:srgbClr val="FF0000"/>
+                </a:solidFill>
+              </a:rPr>
+              <a:t>老版本，不好</a:t>
+            </a:r>
+          </a:p>
+        </p:txBody>
+      </p:sp>
+      <p:sp>
+        <p:nvSpPr>
+          <p:cNvPr id="7" name="文本框 6">
+            <a:extLst>
+              <a:ext uri="{FF2B5EF4-FFF2-40B4-BE49-F238E27FC236}">
+                <a16:creationId xmlns:a16="http://schemas.microsoft.com/office/drawing/2014/main" id="{3FC7B5FB-4FEA-2362-9A7A-BB893E8623D3}"/>
+              </a:ext>
+            </a:extLst>
+          </p:cNvPr>
+          <p:cNvSpPr txBox="1"/>
+          <p:nvPr/>
+        </p:nvSpPr>
+        <p:spPr>
+          <a:xfrm>
+            <a:off x="2333193" y="1979244"/>
+            <a:ext cx="877163" cy="369332"/>
+          </a:xfrm>
+          <a:prstGeom prst="rect">
+            <a:avLst/>
+          </a:prstGeom>
+          <a:noFill/>
+        </p:spPr>
+        <p:txBody>
+          <a:bodyPr wrap="none" rtlCol="0">
+            <a:spAutoFit/>
+          </a:bodyPr>
+          <a:lstStyle/>
+          <a:p>
+            <a:r>
+              <a:rPr lang="zh-CN" altLang="en-US" dirty="0">
+                <a:solidFill>
+                  <a:srgbClr val="FF0000"/>
+                </a:solidFill>
+              </a:rPr>
+              <a:t>用这个</a:t>
+            </a:r>
+          </a:p>
+        </p:txBody>
+      </p:sp>
+      <p:pic>
+        <p:nvPicPr>
+          <p:cNvPr id="9" name="图片 8">
+            <a:extLst>
+              <a:ext uri="{FF2B5EF4-FFF2-40B4-BE49-F238E27FC236}">
+                <a16:creationId xmlns:a16="http://schemas.microsoft.com/office/drawing/2014/main" id="{71B26E32-B914-55A7-5813-46D4B4262D98}"/>
+              </a:ext>
+            </a:extLst>
+          </p:cNvPr>
+          <p:cNvPicPr>
+            <a:picLocks noChangeAspect="1"/>
+          </p:cNvPicPr>
+          <p:nvPr/>
+        </p:nvPicPr>
+        <p:blipFill>
+          <a:blip r:embed="rId3"/>
+          <a:stretch>
+            <a:fillRect/>
+          </a:stretch>
+        </p:blipFill>
+        <p:spPr>
+          <a:xfrm>
+            <a:off x="4694500" y="660657"/>
+            <a:ext cx="6341058" cy="4583072"/>
+          </a:xfrm>
+          <a:prstGeom prst="rect">
+            <a:avLst/>
+          </a:prstGeom>
+        </p:spPr>
+      </p:pic>
+      <p:sp>
+        <p:nvSpPr>
+          <p:cNvPr id="10" name="文本框 9">
+            <a:extLst>
+              <a:ext uri="{FF2B5EF4-FFF2-40B4-BE49-F238E27FC236}">
+                <a16:creationId xmlns:a16="http://schemas.microsoft.com/office/drawing/2014/main" id="{807AA888-D8EE-2093-1C17-0937DF3EF662}"/>
+              </a:ext>
+            </a:extLst>
+          </p:cNvPr>
+          <p:cNvSpPr txBox="1"/>
+          <p:nvPr/>
+        </p:nvSpPr>
+        <p:spPr>
+          <a:xfrm>
+            <a:off x="8516607" y="1451468"/>
+            <a:ext cx="646331" cy="369332"/>
+          </a:xfrm>
+          <a:prstGeom prst="rect">
+            <a:avLst/>
+          </a:prstGeom>
+          <a:noFill/>
+        </p:spPr>
+        <p:txBody>
+          <a:bodyPr wrap="none" rtlCol="0">
+            <a:spAutoFit/>
+          </a:bodyPr>
+          <a:lstStyle/>
+          <a:p>
+            <a:r>
+              <a:rPr lang="zh-CN" altLang="en-US" dirty="0">
+                <a:solidFill>
+                  <a:srgbClr val="FF0000"/>
+                </a:solidFill>
+              </a:rPr>
+              <a:t>删了</a:t>
+            </a:r>
+          </a:p>
+        </p:txBody>
+      </p:sp>
+      <p:pic>
+        <p:nvPicPr>
+          <p:cNvPr id="11" name="图片 10">
+            <a:extLst>
+              <a:ext uri="{FF2B5EF4-FFF2-40B4-BE49-F238E27FC236}">
+                <a16:creationId xmlns:a16="http://schemas.microsoft.com/office/drawing/2014/main" id="{E799FB36-E604-870E-1734-42F54FA74753}"/>
+              </a:ext>
+            </a:extLst>
+          </p:cNvPr>
+          <p:cNvPicPr>
+            <a:picLocks noChangeAspect="1"/>
+          </p:cNvPicPr>
+          <p:nvPr/>
+        </p:nvPicPr>
+        <p:blipFill>
+          <a:blip r:embed="rId4"/>
+          <a:stretch>
+            <a:fillRect/>
+          </a:stretch>
+        </p:blipFill>
+        <p:spPr>
+          <a:xfrm>
+            <a:off x="247284" y="4152426"/>
+            <a:ext cx="4447216" cy="2508211"/>
+          </a:xfrm>
+          <a:prstGeom prst="rect">
+            <a:avLst/>
+          </a:prstGeom>
+        </p:spPr>
+      </p:pic>
+      <p:sp>
+        <p:nvSpPr>
+          <p:cNvPr id="13" name="文本框 12">
+            <a:extLst>
+              <a:ext uri="{FF2B5EF4-FFF2-40B4-BE49-F238E27FC236}">
+                <a16:creationId xmlns:a16="http://schemas.microsoft.com/office/drawing/2014/main" id="{C9AB85D7-FBC0-B65C-C9CA-891EB59F84E9}"/>
+              </a:ext>
+            </a:extLst>
+          </p:cNvPr>
+          <p:cNvSpPr txBox="1"/>
+          <p:nvPr/>
+        </p:nvSpPr>
+        <p:spPr>
+          <a:xfrm>
+            <a:off x="5210856" y="5665207"/>
+            <a:ext cx="6341058" cy="369332"/>
+          </a:xfrm>
+          <a:prstGeom prst="rect">
+            <a:avLst/>
+          </a:prstGeom>
+          <a:noFill/>
+        </p:spPr>
+        <p:txBody>
+          <a:bodyPr wrap="square">
+            <a:spAutoFit/>
+          </a:bodyPr>
+          <a:lstStyle/>
+          <a:p>
+            <a:r>
+              <a:rPr lang="zh-CN" altLang="en-US" b="1" dirty="0"/>
+              <a:t>https://github.com/yin1104/DTCN</a:t>
+            </a:r>
           </a:p>
         </p:txBody>
       </p:sp>
@@ -3391,12 +3767,42 @@
           <a:chExt cx="0" cy="0"/>
         </a:xfrm>
       </p:grpSpPr>
-      <p:sp>
-        <p:nvSpPr>
-          <p:cNvPr id="2" name="文本框 1">
-            <a:extLst>
-              <a:ext uri="{FF2B5EF4-FFF2-40B4-BE49-F238E27FC236}">
-                <a16:creationId xmlns:a16="http://schemas.microsoft.com/office/drawing/2014/main" id="{6B905F09-6473-03D3-FB4E-9A576256379F}"/>
+      <p:pic>
+        <p:nvPicPr>
+          <p:cNvPr id="6" name="图片 5">
+            <a:extLst>
+              <a:ext uri="{FF2B5EF4-FFF2-40B4-BE49-F238E27FC236}">
+                <a16:creationId xmlns:a16="http://schemas.microsoft.com/office/drawing/2014/main" id="{9058F7AF-3ACC-3072-D337-96C61C6724A9}"/>
+              </a:ext>
+            </a:extLst>
+          </p:cNvPr>
+          <p:cNvPicPr>
+            <a:picLocks noChangeAspect="1"/>
+          </p:cNvPicPr>
+          <p:nvPr/>
+        </p:nvPicPr>
+        <p:blipFill>
+          <a:blip r:embed="rId2"/>
+          <a:stretch>
+            <a:fillRect/>
+          </a:stretch>
+        </p:blipFill>
+        <p:spPr>
+          <a:xfrm>
+            <a:off x="190033" y="223594"/>
+            <a:ext cx="10783234" cy="2491956"/>
+          </a:xfrm>
+          <a:prstGeom prst="rect">
+            <a:avLst/>
+          </a:prstGeom>
+        </p:spPr>
+      </p:pic>
+      <p:sp>
+        <p:nvSpPr>
+          <p:cNvPr id="5" name="文本框 4">
+            <a:extLst>
+              <a:ext uri="{FF2B5EF4-FFF2-40B4-BE49-F238E27FC236}">
+                <a16:creationId xmlns:a16="http://schemas.microsoft.com/office/drawing/2014/main" id="{21BA4A66-B981-D21B-5DDE-6EFDE343F1D1}"/>
               </a:ext>
             </a:extLst>
           </p:cNvPr>
@@ -3405,8 +3811,80 @@
         </p:nvSpPr>
         <p:spPr>
           <a:xfrm>
-            <a:off x="465364" y="457200"/>
-            <a:ext cx="4612822" cy="369332"/>
+            <a:off x="3245605" y="1970309"/>
+            <a:ext cx="3488455" cy="646331"/>
+          </a:xfrm>
+          <a:prstGeom prst="rect">
+            <a:avLst/>
+          </a:prstGeom>
+          <a:solidFill>
+            <a:schemeClr val="bg1"/>
+          </a:solidFill>
+        </p:spPr>
+        <p:txBody>
+          <a:bodyPr wrap="none" rtlCol="0">
+            <a:spAutoFit/>
+          </a:bodyPr>
+          <a:lstStyle/>
+          <a:p>
+            <a:r>
+              <a:rPr lang="zh-CN" altLang="en-US" dirty="0">
+                <a:solidFill>
+                  <a:srgbClr val="FF0000"/>
+                </a:solidFill>
+              </a:rPr>
+              <a:t>以前跑的有问题，</a:t>
+            </a:r>
+            <a:r>
+              <a:rPr lang="en-US" altLang="zh-CN" dirty="0" err="1">
+                <a:solidFill>
+                  <a:srgbClr val="FF0000"/>
+                </a:solidFill>
+              </a:rPr>
+              <a:t>GuneyNet</a:t>
+            </a:r>
+            <a:r>
+              <a:rPr lang="zh-CN" altLang="en-US" dirty="0">
+                <a:solidFill>
+                  <a:srgbClr val="FF0000"/>
+                </a:solidFill>
+              </a:rPr>
+              <a:t>很高</a:t>
+            </a:r>
+            <a:endParaRPr lang="en-US" altLang="zh-CN" dirty="0">
+              <a:solidFill>
+                <a:srgbClr val="FF0000"/>
+              </a:solidFill>
+            </a:endParaRPr>
+          </a:p>
+          <a:p>
+            <a:r>
+              <a:rPr lang="zh-CN" altLang="en-US" dirty="0">
+                <a:solidFill>
+                  <a:srgbClr val="FF0000"/>
+                </a:solidFill>
+              </a:rPr>
+              <a:t>若保留就重新跑过吧</a:t>
+            </a:r>
+          </a:p>
+        </p:txBody>
+      </p:sp>
+      <p:sp>
+        <p:nvSpPr>
+          <p:cNvPr id="7" name="文本框 6">
+            <a:extLst>
+              <a:ext uri="{FF2B5EF4-FFF2-40B4-BE49-F238E27FC236}">
+                <a16:creationId xmlns:a16="http://schemas.microsoft.com/office/drawing/2014/main" id="{74F7782C-BA69-4816-7372-F9BF0274033E}"/>
+              </a:ext>
+            </a:extLst>
+          </p:cNvPr>
+          <p:cNvSpPr txBox="1"/>
+          <p:nvPr/>
+        </p:nvSpPr>
+        <p:spPr>
+          <a:xfrm>
+            <a:off x="1492271" y="223594"/>
+            <a:ext cx="2723823" cy="369332"/>
           </a:xfrm>
           <a:prstGeom prst="rect">
             <a:avLst/>
@@ -3414,23 +3892,363 @@
           <a:noFill/>
         </p:spPr>
         <p:txBody>
-          <a:bodyPr wrap="square" rtlCol="0">
+          <a:bodyPr wrap="none" rtlCol="0">
             <a:spAutoFit/>
           </a:bodyPr>
           <a:lstStyle/>
           <a:p>
             <a:r>
-              <a:rPr lang="zh-CN" altLang="en-US" dirty="0"/>
-              <a:t>系统说明</a:t>
-            </a:r>
-            <a:endParaRPr lang="en-US" altLang="zh-CN" dirty="0"/>
+              <a:rPr lang="zh-CN" altLang="en-US" dirty="0">
+                <a:solidFill>
+                  <a:srgbClr val="FF0000"/>
+                </a:solidFill>
+              </a:rPr>
+              <a:t>就行，不要搞通道注意力</a:t>
+            </a:r>
+          </a:p>
+        </p:txBody>
+      </p:sp>
+      <p:sp>
+        <p:nvSpPr>
+          <p:cNvPr id="8" name="文本框 7">
+            <a:extLst>
+              <a:ext uri="{FF2B5EF4-FFF2-40B4-BE49-F238E27FC236}">
+                <a16:creationId xmlns:a16="http://schemas.microsoft.com/office/drawing/2014/main" id="{BF349BB3-8A4C-4BD0-7A15-84ACD9548584}"/>
+              </a:ext>
+            </a:extLst>
+          </p:cNvPr>
+          <p:cNvSpPr txBox="1"/>
+          <p:nvPr/>
+        </p:nvSpPr>
+        <p:spPr>
+          <a:xfrm>
+            <a:off x="3955165" y="1100240"/>
+            <a:ext cx="753732" cy="369332"/>
+          </a:xfrm>
+          <a:prstGeom prst="rect">
+            <a:avLst/>
+          </a:prstGeom>
+          <a:noFill/>
+        </p:spPr>
+        <p:txBody>
+          <a:bodyPr wrap="none" rtlCol="0">
+            <a:spAutoFit/>
+          </a:bodyPr>
+          <a:lstStyle/>
+          <a:p>
+            <a:r>
+              <a:rPr lang="en-US" altLang="zh-CN" b="1" dirty="0">
+                <a:solidFill>
+                  <a:srgbClr val="FF0000"/>
+                </a:solidFill>
+              </a:rPr>
+              <a:t>76.00</a:t>
+            </a:r>
+            <a:endParaRPr lang="zh-CN" altLang="en-US" b="1" dirty="0">
+              <a:solidFill>
+                <a:srgbClr val="FF0000"/>
+              </a:solidFill>
+            </a:endParaRPr>
+          </a:p>
+        </p:txBody>
+      </p:sp>
+      <p:sp>
+        <p:nvSpPr>
+          <p:cNvPr id="9" name="文本框 8">
+            <a:extLst>
+              <a:ext uri="{FF2B5EF4-FFF2-40B4-BE49-F238E27FC236}">
+                <a16:creationId xmlns:a16="http://schemas.microsoft.com/office/drawing/2014/main" id="{A7D87213-45CE-0862-CFA2-2630791FCA1F}"/>
+              </a:ext>
+            </a:extLst>
+          </p:cNvPr>
+          <p:cNvSpPr txBox="1"/>
+          <p:nvPr/>
+        </p:nvSpPr>
+        <p:spPr>
+          <a:xfrm>
+            <a:off x="6573179" y="1100240"/>
+            <a:ext cx="753732" cy="369332"/>
+          </a:xfrm>
+          <a:prstGeom prst="rect">
+            <a:avLst/>
+          </a:prstGeom>
+          <a:noFill/>
+        </p:spPr>
+        <p:txBody>
+          <a:bodyPr wrap="none" rtlCol="0">
+            <a:spAutoFit/>
+          </a:bodyPr>
+          <a:lstStyle/>
+          <a:p>
+            <a:r>
+              <a:rPr lang="en-US" altLang="zh-CN" b="1" dirty="0">
+                <a:solidFill>
+                  <a:srgbClr val="FF0000"/>
+                </a:solidFill>
+              </a:rPr>
+              <a:t>91.54</a:t>
+            </a:r>
+            <a:endParaRPr lang="zh-CN" altLang="en-US" b="1" dirty="0">
+              <a:solidFill>
+                <a:srgbClr val="FF0000"/>
+              </a:solidFill>
+            </a:endParaRPr>
+          </a:p>
+        </p:txBody>
+      </p:sp>
+      <p:pic>
+        <p:nvPicPr>
+          <p:cNvPr id="10" name="图片 9">
+            <a:extLst>
+              <a:ext uri="{FF2B5EF4-FFF2-40B4-BE49-F238E27FC236}">
+                <a16:creationId xmlns:a16="http://schemas.microsoft.com/office/drawing/2014/main" id="{353307C4-AC63-ACD7-FEE7-0F2C3439B569}"/>
+              </a:ext>
+            </a:extLst>
+          </p:cNvPr>
+          <p:cNvPicPr>
+            <a:picLocks noChangeAspect="1"/>
+          </p:cNvPicPr>
+          <p:nvPr/>
+        </p:nvPicPr>
+        <p:blipFill>
+          <a:blip r:embed="rId3"/>
+          <a:stretch>
+            <a:fillRect/>
+          </a:stretch>
+        </p:blipFill>
+        <p:spPr>
+          <a:xfrm>
+            <a:off x="88529" y="3216287"/>
+            <a:ext cx="4389500" cy="2423370"/>
+          </a:xfrm>
+          <a:prstGeom prst="rect">
+            <a:avLst/>
+          </a:prstGeom>
+        </p:spPr>
+      </p:pic>
+      <p:sp>
+        <p:nvSpPr>
+          <p:cNvPr id="11" name="文本框 10">
+            <a:extLst>
+              <a:ext uri="{FF2B5EF4-FFF2-40B4-BE49-F238E27FC236}">
+                <a16:creationId xmlns:a16="http://schemas.microsoft.com/office/drawing/2014/main" id="{CB87C2F2-BAE1-C8F0-726A-54C285C50C75}"/>
+              </a:ext>
+            </a:extLst>
+          </p:cNvPr>
+          <p:cNvSpPr txBox="1"/>
+          <p:nvPr/>
+        </p:nvSpPr>
+        <p:spPr>
+          <a:xfrm>
+            <a:off x="190033" y="2932711"/>
+            <a:ext cx="3297698" cy="369332"/>
+          </a:xfrm>
+          <a:prstGeom prst="rect">
+            <a:avLst/>
+          </a:prstGeom>
+          <a:noFill/>
+        </p:spPr>
+        <p:txBody>
+          <a:bodyPr wrap="none" rtlCol="0">
+            <a:spAutoFit/>
+          </a:bodyPr>
+          <a:lstStyle/>
+          <a:p>
+            <a:r>
+              <a:rPr lang="zh-CN" altLang="en-US" dirty="0">
+                <a:solidFill>
+                  <a:srgbClr val="FF0000"/>
+                </a:solidFill>
+              </a:rPr>
+              <a:t>这个重画吧， </a:t>
+            </a:r>
+            <a:r>
+              <a:rPr lang="en-US" altLang="zh-CN" dirty="0">
+                <a:solidFill>
+                  <a:srgbClr val="FF0000"/>
+                </a:solidFill>
+              </a:rPr>
+              <a:t>0.5-1.2</a:t>
+            </a:r>
+            <a:r>
+              <a:rPr lang="zh-CN" altLang="en-US" dirty="0">
+                <a:solidFill>
+                  <a:srgbClr val="FF0000"/>
+                </a:solidFill>
+              </a:rPr>
+              <a:t>重新跑过</a:t>
+            </a:r>
+          </a:p>
+        </p:txBody>
+      </p:sp>
+      <p:sp>
+        <p:nvSpPr>
+          <p:cNvPr id="12" name="文本框 11">
+            <a:extLst>
+              <a:ext uri="{FF2B5EF4-FFF2-40B4-BE49-F238E27FC236}">
+                <a16:creationId xmlns:a16="http://schemas.microsoft.com/office/drawing/2014/main" id="{2BF5974E-B491-CECA-BF5C-D2244502A4F7}"/>
+              </a:ext>
+            </a:extLst>
+          </p:cNvPr>
+          <p:cNvSpPr txBox="1"/>
+          <p:nvPr/>
+        </p:nvSpPr>
+        <p:spPr>
+          <a:xfrm>
+            <a:off x="4366269" y="3407530"/>
+            <a:ext cx="4895892" cy="2031325"/>
+          </a:xfrm>
+          <a:prstGeom prst="rect">
+            <a:avLst/>
+          </a:prstGeom>
+          <a:noFill/>
+        </p:spPr>
+        <p:txBody>
+          <a:bodyPr wrap="none" rtlCol="0">
+            <a:spAutoFit/>
+          </a:bodyPr>
+          <a:lstStyle/>
+          <a:p>
+            <a:r>
+              <a:rPr lang="en-US" altLang="zh-CN" b="1" dirty="0"/>
+              <a:t>Proposed:(4</a:t>
+            </a:r>
+            <a:r>
+              <a:rPr lang="zh-CN" altLang="en-US" b="1" dirty="0"/>
+              <a:t>块数据）</a:t>
+            </a:r>
+            <a:endParaRPr lang="en-US" altLang="zh-CN" b="1" dirty="0"/>
+          </a:p>
+          <a:p>
+            <a:r>
+              <a:rPr lang="en-US" altLang="zh-CN" b="1" dirty="0"/>
+              <a:t>0.5s  UI: 43.93%   UD: 66.36%</a:t>
+            </a:r>
+          </a:p>
+          <a:p>
+            <a:r>
+              <a:rPr lang="en-US" altLang="zh-CN" b="1" dirty="0"/>
+              <a:t>1.0s  UI: 76.00%   UD: 91.54%</a:t>
+            </a:r>
+          </a:p>
+          <a:p>
+            <a:r>
+              <a:rPr lang="en-US" altLang="zh-CN" b="1" dirty="0"/>
+              <a:t>1.2s  UI: 79.68%   UD: 93.32%</a:t>
+            </a:r>
+          </a:p>
+          <a:p>
+            <a:endParaRPr lang="en-US" altLang="zh-CN" b="1" dirty="0"/>
+          </a:p>
+          <a:p>
+            <a:r>
+              <a:rPr lang="zh-CN" altLang="en-US" b="1" dirty="0"/>
+              <a:t>简单跑了一下，后续改下时间就行，先</a:t>
+            </a:r>
+            <a:r>
+              <a:rPr lang="en-US" altLang="zh-CN" b="1" dirty="0"/>
+              <a:t>UI</a:t>
+            </a:r>
+            <a:r>
+              <a:rPr lang="zh-CN" altLang="en-US" b="1" dirty="0"/>
+              <a:t>再</a:t>
+            </a:r>
+            <a:r>
+              <a:rPr lang="en-US" altLang="zh-CN" b="1" dirty="0"/>
+              <a:t>UD</a:t>
+            </a:r>
+          </a:p>
+          <a:p>
+            <a:endParaRPr lang="zh-CN" altLang="en-US" b="1" dirty="0"/>
+          </a:p>
+        </p:txBody>
+      </p:sp>
+      <p:pic>
+        <p:nvPicPr>
+          <p:cNvPr id="13" name="图片 12">
+            <a:extLst>
+              <a:ext uri="{FF2B5EF4-FFF2-40B4-BE49-F238E27FC236}">
+                <a16:creationId xmlns:a16="http://schemas.microsoft.com/office/drawing/2014/main" id="{EDFDFB62-2A25-7D57-C079-6E5D00975336}"/>
+              </a:ext>
+            </a:extLst>
+          </p:cNvPr>
+          <p:cNvPicPr>
+            <a:picLocks noChangeAspect="1"/>
+          </p:cNvPicPr>
+          <p:nvPr/>
+        </p:nvPicPr>
+        <p:blipFill>
+          <a:blip r:embed="rId4"/>
+          <a:stretch>
+            <a:fillRect/>
+          </a:stretch>
+        </p:blipFill>
+        <p:spPr>
+          <a:xfrm>
+            <a:off x="4503619" y="5117300"/>
+            <a:ext cx="4000847" cy="426757"/>
+          </a:xfrm>
+          <a:prstGeom prst="rect">
+            <a:avLst/>
+          </a:prstGeom>
+        </p:spPr>
+      </p:pic>
+      <p:sp>
+        <p:nvSpPr>
+          <p:cNvPr id="14" name="矩形 13">
+            <a:extLst>
+              <a:ext uri="{FF2B5EF4-FFF2-40B4-BE49-F238E27FC236}">
+                <a16:creationId xmlns:a16="http://schemas.microsoft.com/office/drawing/2014/main" id="{5376D982-8053-5585-E75D-734C9AC33629}"/>
+              </a:ext>
+            </a:extLst>
+          </p:cNvPr>
+          <p:cNvSpPr/>
+          <p:nvPr/>
+        </p:nvSpPr>
+        <p:spPr>
+          <a:xfrm>
+            <a:off x="4366269" y="5222501"/>
+            <a:ext cx="1381388" cy="216354"/>
+          </a:xfrm>
+          <a:prstGeom prst="rect">
+            <a:avLst/>
+          </a:prstGeom>
+          <a:noFill/>
+          <a:ln w="38100">
+            <a:solidFill>
+              <a:srgbClr val="FF0000"/>
+            </a:solidFill>
+          </a:ln>
+        </p:spPr>
+        <p:style>
+          <a:lnRef idx="2">
+            <a:schemeClr val="accent1">
+              <a:shade val="15000"/>
+            </a:schemeClr>
+          </a:lnRef>
+          <a:fillRef idx="1">
+            <a:schemeClr val="accent1"/>
+          </a:fillRef>
+          <a:effectRef idx="0">
+            <a:schemeClr val="accent1"/>
+          </a:effectRef>
+          <a:fontRef idx="minor">
+            <a:schemeClr val="lt1"/>
+          </a:fontRef>
+        </p:style>
+        <p:txBody>
+          <a:bodyPr rtlCol="0" anchor="ctr"/>
+          <a:lstStyle/>
+          <a:p>
+            <a:pPr algn="ctr"/>
+            <a:endParaRPr lang="zh-CN" altLang="en-US"/>
           </a:p>
         </p:txBody>
       </p:sp>
     </p:spTree>
     <p:extLst>
       <p:ext uri="{BB962C8B-B14F-4D97-AF65-F5344CB8AC3E}">
-        <p14:creationId xmlns:p14="http://schemas.microsoft.com/office/powerpoint/2010/main" val="4086731117"/>
+        <p14:creationId xmlns:p14="http://schemas.microsoft.com/office/powerpoint/2010/main" val="4033458037"/>
       </p:ext>
     </p:extLst>
   </p:cSld>
@@ -3457,12 +4275,42 @@
           <a:chExt cx="0" cy="0"/>
         </a:xfrm>
       </p:grpSpPr>
-      <p:sp>
-        <p:nvSpPr>
-          <p:cNvPr id="2" name="文本框 1">
-            <a:extLst>
-              <a:ext uri="{FF2B5EF4-FFF2-40B4-BE49-F238E27FC236}">
-                <a16:creationId xmlns:a16="http://schemas.microsoft.com/office/drawing/2014/main" id="{F1F8CD00-40E5-2D3F-2AD5-02069DED5FDA}"/>
+      <p:pic>
+        <p:nvPicPr>
+          <p:cNvPr id="5" name="图片 4">
+            <a:extLst>
+              <a:ext uri="{FF2B5EF4-FFF2-40B4-BE49-F238E27FC236}">
+                <a16:creationId xmlns:a16="http://schemas.microsoft.com/office/drawing/2014/main" id="{4492718C-5AA5-1D3F-2660-53BDCF1AFBFC}"/>
+              </a:ext>
+            </a:extLst>
+          </p:cNvPr>
+          <p:cNvPicPr>
+            <a:picLocks noChangeAspect="1"/>
+          </p:cNvPicPr>
+          <p:nvPr/>
+        </p:nvPicPr>
+        <p:blipFill>
+          <a:blip r:embed="rId2"/>
+          <a:stretch>
+            <a:fillRect/>
+          </a:stretch>
+        </p:blipFill>
+        <p:spPr>
+          <a:xfrm>
+            <a:off x="271848" y="159006"/>
+            <a:ext cx="11444803" cy="3231119"/>
+          </a:xfrm>
+          <a:prstGeom prst="rect">
+            <a:avLst/>
+          </a:prstGeom>
+        </p:spPr>
+      </p:pic>
+      <p:sp>
+        <p:nvSpPr>
+          <p:cNvPr id="3" name="文本框 2">
+            <a:extLst>
+              <a:ext uri="{FF2B5EF4-FFF2-40B4-BE49-F238E27FC236}">
+                <a16:creationId xmlns:a16="http://schemas.microsoft.com/office/drawing/2014/main" id="{E069D8D6-637B-C02D-6F08-9AB3B090893D}"/>
               </a:ext>
             </a:extLst>
           </p:cNvPr>
@@ -3471,8 +4319,8 @@
         </p:nvSpPr>
         <p:spPr>
           <a:xfrm>
-            <a:off x="465364" y="457200"/>
-            <a:ext cx="4612822" cy="369332"/>
+            <a:off x="166060" y="108463"/>
+            <a:ext cx="5404757" cy="369332"/>
           </a:xfrm>
           <a:prstGeom prst="rect">
             <a:avLst/>
@@ -3486,19 +4334,22 @@
           <a:lstStyle/>
           <a:p>
             <a:r>
-              <a:rPr lang="zh-CN" altLang="en-US" dirty="0"/>
-              <a:t>一些比较好的库</a:t>
-            </a:r>
-            <a:endParaRPr lang="en-US" altLang="zh-CN" dirty="0"/>
-          </a:p>
-        </p:txBody>
-      </p:sp>
-      <p:sp>
-        <p:nvSpPr>
-          <p:cNvPr id="3" name="文本框 2">
-            <a:extLst>
-              <a:ext uri="{FF2B5EF4-FFF2-40B4-BE49-F238E27FC236}">
-                <a16:creationId xmlns:a16="http://schemas.microsoft.com/office/drawing/2014/main" id="{E799E179-8E88-1865-E3F4-0D4678265553}"/>
+              <a:rPr lang="zh-CN" altLang="en-US" b="1" dirty="0"/>
+              <a:t>跨范式</a:t>
+            </a:r>
+            <a:r>
+              <a:rPr lang="en-US" altLang="zh-CN" b="1" dirty="0"/>
+              <a:t>BETA</a:t>
+            </a:r>
+          </a:p>
+        </p:txBody>
+      </p:sp>
+      <p:sp>
+        <p:nvSpPr>
+          <p:cNvPr id="7" name="文本框 6">
+            <a:extLst>
+              <a:ext uri="{FF2B5EF4-FFF2-40B4-BE49-F238E27FC236}">
+                <a16:creationId xmlns:a16="http://schemas.microsoft.com/office/drawing/2014/main" id="{79637DB8-4202-68E3-AEF4-91500C392F50}"/>
               </a:ext>
             </a:extLst>
           </p:cNvPr>
@@ -3507,8 +4358,8 @@
         </p:nvSpPr>
         <p:spPr>
           <a:xfrm>
-            <a:off x="465364" y="1597479"/>
-            <a:ext cx="4612822" cy="369332"/>
+            <a:off x="2639889" y="861342"/>
+            <a:ext cx="753732" cy="369332"/>
           </a:xfrm>
           <a:prstGeom prst="rect">
             <a:avLst/>
@@ -3516,25 +4367,33 @@
           <a:noFill/>
         </p:spPr>
         <p:txBody>
-          <a:bodyPr wrap="square" rtlCol="0">
+          <a:bodyPr wrap="none" rtlCol="0">
             <a:spAutoFit/>
           </a:bodyPr>
           <a:lstStyle/>
           <a:p>
             <a:r>
-              <a:rPr lang="zh-CN" altLang="en-US" dirty="0"/>
-              <a:t>算法库</a:t>
-            </a:r>
-            <a:endParaRPr lang="en-US" altLang="zh-CN" dirty="0"/>
-          </a:p>
-        </p:txBody>
-      </p:sp>
-      <p:sp>
-        <p:nvSpPr>
-          <p:cNvPr id="4" name="文本框 3">
-            <a:extLst>
-              <a:ext uri="{FF2B5EF4-FFF2-40B4-BE49-F238E27FC236}">
-                <a16:creationId xmlns:a16="http://schemas.microsoft.com/office/drawing/2014/main" id="{3AADFCA4-D7FB-C946-4C6C-D67011BBBA20}"/>
+              <a:rPr lang="en-US" altLang="zh-CN" b="1" dirty="0">
+                <a:solidFill>
+                  <a:srgbClr val="FF0000"/>
+                </a:solidFill>
+              </a:rPr>
+              <a:t>60.00</a:t>
+            </a:r>
+            <a:endParaRPr lang="zh-CN" altLang="en-US" b="1" dirty="0">
+              <a:solidFill>
+                <a:srgbClr val="FF0000"/>
+              </a:solidFill>
+            </a:endParaRPr>
+          </a:p>
+        </p:txBody>
+      </p:sp>
+      <p:sp>
+        <p:nvSpPr>
+          <p:cNvPr id="8" name="文本框 7">
+            <a:extLst>
+              <a:ext uri="{FF2B5EF4-FFF2-40B4-BE49-F238E27FC236}">
+                <a16:creationId xmlns:a16="http://schemas.microsoft.com/office/drawing/2014/main" id="{7FDB8BDE-A17A-094B-0583-EF149A0F4F98}"/>
               </a:ext>
             </a:extLst>
           </p:cNvPr>
@@ -3543,8 +4402,8 @@
         </p:nvSpPr>
         <p:spPr>
           <a:xfrm>
-            <a:off x="342900" y="3132755"/>
-            <a:ext cx="4612822" cy="369332"/>
+            <a:off x="5994249" y="861342"/>
+            <a:ext cx="625492" cy="369332"/>
           </a:xfrm>
           <a:prstGeom prst="rect">
             <a:avLst/>
@@ -3552,25 +4411,33 @@
           <a:noFill/>
         </p:spPr>
         <p:txBody>
-          <a:bodyPr wrap="square" rtlCol="0">
+          <a:bodyPr wrap="none" rtlCol="0">
             <a:spAutoFit/>
           </a:bodyPr>
           <a:lstStyle/>
           <a:p>
             <a:r>
-              <a:rPr lang="zh-CN" altLang="en-US" dirty="0"/>
-              <a:t>数据分析相关、绘图</a:t>
-            </a:r>
-            <a:endParaRPr lang="en-US" altLang="zh-CN" dirty="0"/>
-          </a:p>
-        </p:txBody>
-      </p:sp>
-      <p:sp>
-        <p:nvSpPr>
-          <p:cNvPr id="5" name="文本框 4">
-            <a:extLst>
-              <a:ext uri="{FF2B5EF4-FFF2-40B4-BE49-F238E27FC236}">
-                <a16:creationId xmlns:a16="http://schemas.microsoft.com/office/drawing/2014/main" id="{597C60BB-47CC-7DAD-6D3C-332A5E8D154F}"/>
+              <a:rPr lang="en-US" altLang="zh-CN" b="1" dirty="0">
+                <a:solidFill>
+                  <a:srgbClr val="FF0000"/>
+                </a:solidFill>
+              </a:rPr>
+              <a:t>71.5</a:t>
+            </a:r>
+            <a:endParaRPr lang="zh-CN" altLang="en-US" b="1" dirty="0">
+              <a:solidFill>
+                <a:srgbClr val="FF0000"/>
+              </a:solidFill>
+            </a:endParaRPr>
+          </a:p>
+        </p:txBody>
+      </p:sp>
+      <p:sp>
+        <p:nvSpPr>
+          <p:cNvPr id="9" name="文本框 8">
+            <a:extLst>
+              <a:ext uri="{FF2B5EF4-FFF2-40B4-BE49-F238E27FC236}">
+                <a16:creationId xmlns:a16="http://schemas.microsoft.com/office/drawing/2014/main" id="{BF4EE831-0D0C-31AE-72C7-B6A33452618A}"/>
               </a:ext>
             </a:extLst>
           </p:cNvPr>
@@ -3579,8 +4446,8 @@
         </p:nvSpPr>
         <p:spPr>
           <a:xfrm>
-            <a:off x="617764" y="2457450"/>
-            <a:ext cx="4612822" cy="369332"/>
+            <a:off x="10962919" y="955392"/>
+            <a:ext cx="753732" cy="369332"/>
           </a:xfrm>
           <a:prstGeom prst="rect">
             <a:avLst/>
@@ -3588,23 +4455,698 @@
           <a:noFill/>
         </p:spPr>
         <p:txBody>
+          <a:bodyPr wrap="none" rtlCol="0">
+            <a:spAutoFit/>
+          </a:bodyPr>
+          <a:lstStyle/>
+          <a:p>
+            <a:r>
+              <a:rPr lang="en-US" altLang="zh-CN" b="1" dirty="0">
+                <a:solidFill>
+                  <a:srgbClr val="FF0000"/>
+                </a:solidFill>
+              </a:rPr>
+              <a:t>78.17</a:t>
+            </a:r>
+            <a:endParaRPr lang="zh-CN" altLang="en-US" b="1" dirty="0">
+              <a:solidFill>
+                <a:srgbClr val="FF0000"/>
+              </a:solidFill>
+            </a:endParaRPr>
+          </a:p>
+        </p:txBody>
+      </p:sp>
+      <p:sp>
+        <p:nvSpPr>
+          <p:cNvPr id="10" name="文本框 9">
+            <a:extLst>
+              <a:ext uri="{FF2B5EF4-FFF2-40B4-BE49-F238E27FC236}">
+                <a16:creationId xmlns:a16="http://schemas.microsoft.com/office/drawing/2014/main" id="{601F97C6-A62B-E614-5E0A-A524ED784FF8}"/>
+              </a:ext>
+            </a:extLst>
+          </p:cNvPr>
+          <p:cNvSpPr txBox="1"/>
+          <p:nvPr/>
+        </p:nvSpPr>
+        <p:spPr>
+          <a:xfrm>
+            <a:off x="796714" y="651991"/>
+            <a:ext cx="3897221" cy="276999"/>
+          </a:xfrm>
+          <a:prstGeom prst="rect">
+            <a:avLst/>
+          </a:prstGeom>
+          <a:noFill/>
+        </p:spPr>
+        <p:txBody>
+          <a:bodyPr wrap="none" rtlCol="0">
+            <a:spAutoFit/>
+          </a:bodyPr>
+          <a:lstStyle/>
+          <a:p>
+            <a:r>
+              <a:rPr lang="zh-CN" altLang="en-US" sz="1200" dirty="0">
+                <a:solidFill>
+                  <a:schemeClr val="accent1"/>
+                </a:solidFill>
+              </a:rPr>
+              <a:t>跑的前</a:t>
+            </a:r>
+            <a:r>
+              <a:rPr lang="en-US" altLang="zh-CN" sz="1200" dirty="0">
+                <a:solidFill>
+                  <a:schemeClr val="accent1"/>
+                </a:solidFill>
+              </a:rPr>
+              <a:t>15</a:t>
+            </a:r>
+            <a:r>
+              <a:rPr lang="zh-CN" altLang="en-US" sz="1200" dirty="0">
+                <a:solidFill>
+                  <a:schemeClr val="accent1"/>
+                </a:solidFill>
+              </a:rPr>
+              <a:t>人，</a:t>
+            </a:r>
+            <a:r>
+              <a:rPr lang="en-US" altLang="zh-CN" sz="1200" dirty="0">
+                <a:solidFill>
+                  <a:schemeClr val="accent1"/>
+                </a:solidFill>
+              </a:rPr>
+              <a:t>70</a:t>
+            </a:r>
+            <a:r>
+              <a:rPr lang="zh-CN" altLang="en-US" sz="1200" dirty="0">
+                <a:solidFill>
+                  <a:schemeClr val="accent1"/>
+                </a:solidFill>
+              </a:rPr>
+              <a:t>人的话自己再重定向下原始数据再训练</a:t>
+            </a:r>
+          </a:p>
+        </p:txBody>
+      </p:sp>
+      <p:sp>
+        <p:nvSpPr>
+          <p:cNvPr id="11" name="箭头: 右 10">
+            <a:extLst>
+              <a:ext uri="{FF2B5EF4-FFF2-40B4-BE49-F238E27FC236}">
+                <a16:creationId xmlns:a16="http://schemas.microsoft.com/office/drawing/2014/main" id="{4EF84367-8790-5A23-308B-8C0A27185BC3}"/>
+              </a:ext>
+            </a:extLst>
+          </p:cNvPr>
+          <p:cNvSpPr/>
+          <p:nvPr/>
+        </p:nvSpPr>
+        <p:spPr>
+          <a:xfrm rot="1874159">
+            <a:off x="2479577" y="904578"/>
+            <a:ext cx="214839" cy="172013"/>
+          </a:xfrm>
+          <a:prstGeom prst="rightArrow">
+            <a:avLst/>
+          </a:prstGeom>
+        </p:spPr>
+        <p:style>
+          <a:lnRef idx="2">
+            <a:schemeClr val="accent1">
+              <a:shade val="15000"/>
+            </a:schemeClr>
+          </a:lnRef>
+          <a:fillRef idx="1">
+            <a:schemeClr val="accent1"/>
+          </a:fillRef>
+          <a:effectRef idx="0">
+            <a:schemeClr val="accent1"/>
+          </a:effectRef>
+          <a:fontRef idx="minor">
+            <a:schemeClr val="lt1"/>
+          </a:fontRef>
+        </p:style>
+        <p:txBody>
+          <a:bodyPr rtlCol="0" anchor="ctr"/>
+          <a:lstStyle/>
+          <a:p>
+            <a:pPr algn="ctr"/>
+            <a:endParaRPr lang="zh-CN" altLang="en-US"/>
+          </a:p>
+        </p:txBody>
+      </p:sp>
+      <p:sp>
+        <p:nvSpPr>
+          <p:cNvPr id="2" name="文本框 1">
+            <a:extLst>
+              <a:ext uri="{FF2B5EF4-FFF2-40B4-BE49-F238E27FC236}">
+                <a16:creationId xmlns:a16="http://schemas.microsoft.com/office/drawing/2014/main" id="{6B905F09-6473-03D3-FB4E-9A576256379F}"/>
+              </a:ext>
+            </a:extLst>
+          </p:cNvPr>
+          <p:cNvSpPr txBox="1"/>
+          <p:nvPr/>
+        </p:nvSpPr>
+        <p:spPr>
+          <a:xfrm>
+            <a:off x="166059" y="3283210"/>
+            <a:ext cx="5404757" cy="369332"/>
+          </a:xfrm>
+          <a:prstGeom prst="rect">
+            <a:avLst/>
+          </a:prstGeom>
+          <a:noFill/>
+        </p:spPr>
+        <p:txBody>
           <a:bodyPr wrap="square" rtlCol="0">
             <a:spAutoFit/>
           </a:bodyPr>
           <a:lstStyle/>
           <a:p>
             <a:r>
-              <a:rPr lang="zh-CN" altLang="en-US" dirty="0"/>
-              <a:t>平台库</a:t>
-            </a:r>
-            <a:endParaRPr lang="en-US" altLang="zh-CN" dirty="0"/>
+              <a:rPr lang="zh-CN" altLang="en-US" b="1" dirty="0"/>
+              <a:t>消融实验</a:t>
+            </a:r>
+            <a:endParaRPr lang="en-US" altLang="zh-CN" b="1" dirty="0"/>
+          </a:p>
+        </p:txBody>
+      </p:sp>
+      <p:pic>
+        <p:nvPicPr>
+          <p:cNvPr id="12" name="图片 11">
+            <a:extLst>
+              <a:ext uri="{FF2B5EF4-FFF2-40B4-BE49-F238E27FC236}">
+                <a16:creationId xmlns:a16="http://schemas.microsoft.com/office/drawing/2014/main" id="{52F87AEA-6446-1446-A119-C9860396080F}"/>
+              </a:ext>
+            </a:extLst>
+          </p:cNvPr>
+          <p:cNvPicPr>
+            <a:picLocks noChangeAspect="1"/>
+          </p:cNvPicPr>
+          <p:nvPr/>
+        </p:nvPicPr>
+        <p:blipFill>
+          <a:blip r:embed="rId3"/>
+          <a:stretch>
+            <a:fillRect/>
+          </a:stretch>
+        </p:blipFill>
+        <p:spPr>
+          <a:xfrm>
+            <a:off x="166059" y="3618694"/>
+            <a:ext cx="11123054" cy="2508244"/>
+          </a:xfrm>
+          <a:prstGeom prst="rect">
+            <a:avLst/>
+          </a:prstGeom>
+        </p:spPr>
+      </p:pic>
+      <p:sp>
+        <p:nvSpPr>
+          <p:cNvPr id="13" name="文本框 12">
+            <a:extLst>
+              <a:ext uri="{FF2B5EF4-FFF2-40B4-BE49-F238E27FC236}">
+                <a16:creationId xmlns:a16="http://schemas.microsoft.com/office/drawing/2014/main" id="{D6DA855C-1D1C-6327-6689-CF8D33942377}"/>
+              </a:ext>
+            </a:extLst>
+          </p:cNvPr>
+          <p:cNvSpPr txBox="1"/>
+          <p:nvPr/>
+        </p:nvSpPr>
+        <p:spPr>
+          <a:xfrm>
+            <a:off x="3121802" y="4382569"/>
+            <a:ext cx="753732" cy="369332"/>
+          </a:xfrm>
+          <a:prstGeom prst="rect">
+            <a:avLst/>
+          </a:prstGeom>
+          <a:noFill/>
+        </p:spPr>
+        <p:txBody>
+          <a:bodyPr wrap="none" rtlCol="0">
+            <a:spAutoFit/>
+          </a:bodyPr>
+          <a:lstStyle/>
+          <a:p>
+            <a:r>
+              <a:rPr lang="en-US" altLang="zh-CN" b="1" dirty="0">
+                <a:solidFill>
+                  <a:srgbClr val="FF0000"/>
+                </a:solidFill>
+              </a:rPr>
+              <a:t>76.00</a:t>
+            </a:r>
+            <a:endParaRPr lang="zh-CN" altLang="en-US" b="1" dirty="0">
+              <a:solidFill>
+                <a:srgbClr val="FF0000"/>
+              </a:solidFill>
+            </a:endParaRPr>
+          </a:p>
+        </p:txBody>
+      </p:sp>
+      <p:sp>
+        <p:nvSpPr>
+          <p:cNvPr id="14" name="文本框 13">
+            <a:extLst>
+              <a:ext uri="{FF2B5EF4-FFF2-40B4-BE49-F238E27FC236}">
+                <a16:creationId xmlns:a16="http://schemas.microsoft.com/office/drawing/2014/main" id="{1250F542-227B-3834-06B6-CF83F4D6B234}"/>
+              </a:ext>
+            </a:extLst>
+          </p:cNvPr>
+          <p:cNvSpPr txBox="1"/>
+          <p:nvPr/>
+        </p:nvSpPr>
+        <p:spPr>
+          <a:xfrm>
+            <a:off x="4693935" y="4335742"/>
+            <a:ext cx="753732" cy="369332"/>
+          </a:xfrm>
+          <a:prstGeom prst="rect">
+            <a:avLst/>
+          </a:prstGeom>
+          <a:noFill/>
+        </p:spPr>
+        <p:txBody>
+          <a:bodyPr wrap="none" rtlCol="0">
+            <a:spAutoFit/>
+          </a:bodyPr>
+          <a:lstStyle/>
+          <a:p>
+            <a:r>
+              <a:rPr lang="en-US" altLang="zh-CN" b="1" dirty="0">
+                <a:solidFill>
+                  <a:srgbClr val="FF0000"/>
+                </a:solidFill>
+              </a:rPr>
+              <a:t>85.92</a:t>
+            </a:r>
+            <a:endParaRPr lang="zh-CN" altLang="en-US" b="1" dirty="0">
+              <a:solidFill>
+                <a:srgbClr val="FF0000"/>
+              </a:solidFill>
+            </a:endParaRPr>
+          </a:p>
+        </p:txBody>
+      </p:sp>
+      <p:sp>
+        <p:nvSpPr>
+          <p:cNvPr id="15" name="文本框 14">
+            <a:extLst>
+              <a:ext uri="{FF2B5EF4-FFF2-40B4-BE49-F238E27FC236}">
+                <a16:creationId xmlns:a16="http://schemas.microsoft.com/office/drawing/2014/main" id="{A4D53A61-4763-D434-3735-52E03468A6B2}"/>
+              </a:ext>
+            </a:extLst>
+          </p:cNvPr>
+          <p:cNvSpPr txBox="1"/>
+          <p:nvPr/>
+        </p:nvSpPr>
+        <p:spPr>
+          <a:xfrm>
+            <a:off x="6317689" y="4335742"/>
+            <a:ext cx="753732" cy="369332"/>
+          </a:xfrm>
+          <a:prstGeom prst="rect">
+            <a:avLst/>
+          </a:prstGeom>
+          <a:noFill/>
+        </p:spPr>
+        <p:txBody>
+          <a:bodyPr wrap="none" rtlCol="0">
+            <a:spAutoFit/>
+          </a:bodyPr>
+          <a:lstStyle/>
+          <a:p>
+            <a:r>
+              <a:rPr lang="en-US" altLang="zh-CN" b="1" dirty="0">
+                <a:solidFill>
+                  <a:srgbClr val="FF0000"/>
+                </a:solidFill>
+              </a:rPr>
+              <a:t>88.76</a:t>
+            </a:r>
+            <a:endParaRPr lang="zh-CN" altLang="en-US" b="1" dirty="0">
+              <a:solidFill>
+                <a:srgbClr val="FF0000"/>
+              </a:solidFill>
+            </a:endParaRPr>
+          </a:p>
+        </p:txBody>
+      </p:sp>
+      <p:sp>
+        <p:nvSpPr>
+          <p:cNvPr id="16" name="文本框 15">
+            <a:extLst>
+              <a:ext uri="{FF2B5EF4-FFF2-40B4-BE49-F238E27FC236}">
+                <a16:creationId xmlns:a16="http://schemas.microsoft.com/office/drawing/2014/main" id="{138C74AA-265D-F9B2-2CC1-57BB167683E1}"/>
+              </a:ext>
+            </a:extLst>
+          </p:cNvPr>
+          <p:cNvSpPr txBox="1"/>
+          <p:nvPr/>
+        </p:nvSpPr>
+        <p:spPr>
+          <a:xfrm>
+            <a:off x="8026544" y="4350053"/>
+            <a:ext cx="753732" cy="369332"/>
+          </a:xfrm>
+          <a:prstGeom prst="rect">
+            <a:avLst/>
+          </a:prstGeom>
+          <a:noFill/>
+        </p:spPr>
+        <p:txBody>
+          <a:bodyPr wrap="none" rtlCol="0">
+            <a:spAutoFit/>
+          </a:bodyPr>
+          <a:lstStyle/>
+          <a:p>
+            <a:r>
+              <a:rPr lang="en-US" altLang="zh-CN" b="1" dirty="0">
+                <a:solidFill>
+                  <a:srgbClr val="FF0000"/>
+                </a:solidFill>
+              </a:rPr>
+              <a:t>90.18</a:t>
+            </a:r>
+            <a:endParaRPr lang="zh-CN" altLang="en-US" b="1" dirty="0">
+              <a:solidFill>
+                <a:srgbClr val="FF0000"/>
+              </a:solidFill>
+            </a:endParaRPr>
+          </a:p>
+        </p:txBody>
+      </p:sp>
+      <p:sp>
+        <p:nvSpPr>
+          <p:cNvPr id="17" name="文本框 16">
+            <a:extLst>
+              <a:ext uri="{FF2B5EF4-FFF2-40B4-BE49-F238E27FC236}">
+                <a16:creationId xmlns:a16="http://schemas.microsoft.com/office/drawing/2014/main" id="{A9645D61-6645-C423-AEEB-CB4746A268FA}"/>
+              </a:ext>
+            </a:extLst>
+          </p:cNvPr>
+          <p:cNvSpPr txBox="1"/>
+          <p:nvPr/>
+        </p:nvSpPr>
+        <p:spPr>
+          <a:xfrm>
+            <a:off x="9908890" y="4573308"/>
+            <a:ext cx="753732" cy="369332"/>
+          </a:xfrm>
+          <a:prstGeom prst="rect">
+            <a:avLst/>
+          </a:prstGeom>
+          <a:noFill/>
+        </p:spPr>
+        <p:txBody>
+          <a:bodyPr wrap="none" rtlCol="0">
+            <a:spAutoFit/>
+          </a:bodyPr>
+          <a:lstStyle/>
+          <a:p>
+            <a:r>
+              <a:rPr lang="en-US" altLang="zh-CN" b="1" dirty="0">
+                <a:solidFill>
+                  <a:srgbClr val="FF0000"/>
+                </a:solidFill>
+              </a:rPr>
+              <a:t>91.54</a:t>
+            </a:r>
+            <a:endParaRPr lang="zh-CN" altLang="en-US" b="1" dirty="0">
+              <a:solidFill>
+                <a:srgbClr val="FF0000"/>
+              </a:solidFill>
+            </a:endParaRPr>
+          </a:p>
+        </p:txBody>
+      </p:sp>
+      <p:sp>
+        <p:nvSpPr>
+          <p:cNvPr id="18" name="文本框 17">
+            <a:extLst>
+              <a:ext uri="{FF2B5EF4-FFF2-40B4-BE49-F238E27FC236}">
+                <a16:creationId xmlns:a16="http://schemas.microsoft.com/office/drawing/2014/main" id="{FC620AE0-D11F-CF47-6E7F-7229883874A3}"/>
+              </a:ext>
+            </a:extLst>
+          </p:cNvPr>
+          <p:cNvSpPr txBox="1"/>
+          <p:nvPr/>
+        </p:nvSpPr>
+        <p:spPr>
+          <a:xfrm>
+            <a:off x="2073682" y="5073329"/>
+            <a:ext cx="753732" cy="369332"/>
+          </a:xfrm>
+          <a:prstGeom prst="rect">
+            <a:avLst/>
+          </a:prstGeom>
+          <a:noFill/>
+        </p:spPr>
+        <p:txBody>
+          <a:bodyPr wrap="none" rtlCol="0">
+            <a:spAutoFit/>
+          </a:bodyPr>
+          <a:lstStyle/>
+          <a:p>
+            <a:r>
+              <a:rPr lang="en-US" altLang="zh-CN" b="1" dirty="0">
+                <a:solidFill>
+                  <a:srgbClr val="FF0000"/>
+                </a:solidFill>
+              </a:rPr>
+              <a:t>70.96</a:t>
+            </a:r>
+            <a:endParaRPr lang="zh-CN" altLang="en-US" b="1" dirty="0">
+              <a:solidFill>
+                <a:srgbClr val="FF0000"/>
+              </a:solidFill>
+            </a:endParaRPr>
+          </a:p>
+        </p:txBody>
+      </p:sp>
+      <p:sp>
+        <p:nvSpPr>
+          <p:cNvPr id="19" name="文本框 18">
+            <a:extLst>
+              <a:ext uri="{FF2B5EF4-FFF2-40B4-BE49-F238E27FC236}">
+                <a16:creationId xmlns:a16="http://schemas.microsoft.com/office/drawing/2014/main" id="{BC387A30-1876-3731-21E1-14AE11282802}"/>
+              </a:ext>
+            </a:extLst>
+          </p:cNvPr>
+          <p:cNvSpPr txBox="1"/>
+          <p:nvPr/>
+        </p:nvSpPr>
+        <p:spPr>
+          <a:xfrm>
+            <a:off x="2083589" y="5368841"/>
+            <a:ext cx="753732" cy="369332"/>
+          </a:xfrm>
+          <a:prstGeom prst="rect">
+            <a:avLst/>
+          </a:prstGeom>
+          <a:noFill/>
+        </p:spPr>
+        <p:txBody>
+          <a:bodyPr wrap="none" rtlCol="0">
+            <a:spAutoFit/>
+          </a:bodyPr>
+          <a:lstStyle/>
+          <a:p>
+            <a:r>
+              <a:rPr lang="en-US" altLang="zh-CN" b="1" dirty="0">
+                <a:solidFill>
+                  <a:srgbClr val="FF0000"/>
+                </a:solidFill>
+              </a:rPr>
+              <a:t>71.25</a:t>
+            </a:r>
+            <a:endParaRPr lang="zh-CN" altLang="en-US" b="1" dirty="0">
+              <a:solidFill>
+                <a:srgbClr val="FF0000"/>
+              </a:solidFill>
+            </a:endParaRPr>
+          </a:p>
+        </p:txBody>
+      </p:sp>
+      <p:sp>
+        <p:nvSpPr>
+          <p:cNvPr id="20" name="文本框 19">
+            <a:extLst>
+              <a:ext uri="{FF2B5EF4-FFF2-40B4-BE49-F238E27FC236}">
+                <a16:creationId xmlns:a16="http://schemas.microsoft.com/office/drawing/2014/main" id="{246613CB-10ED-E5D1-0B9C-2264C7D72C99}"/>
+              </a:ext>
+            </a:extLst>
+          </p:cNvPr>
+          <p:cNvSpPr txBox="1"/>
+          <p:nvPr/>
+        </p:nvSpPr>
+        <p:spPr>
+          <a:xfrm>
+            <a:off x="2073682" y="5627326"/>
+            <a:ext cx="753732" cy="369332"/>
+          </a:xfrm>
+          <a:prstGeom prst="rect">
+            <a:avLst/>
+          </a:prstGeom>
+          <a:noFill/>
+        </p:spPr>
+        <p:txBody>
+          <a:bodyPr wrap="none" rtlCol="0">
+            <a:spAutoFit/>
+          </a:bodyPr>
+          <a:lstStyle/>
+          <a:p>
+            <a:r>
+              <a:rPr lang="en-US" altLang="zh-CN" b="1" dirty="0">
+                <a:solidFill>
+                  <a:srgbClr val="FF0000"/>
+                </a:solidFill>
+              </a:rPr>
+              <a:t>72.89</a:t>
+            </a:r>
+            <a:endParaRPr lang="zh-CN" altLang="en-US" b="1" dirty="0">
+              <a:solidFill>
+                <a:srgbClr val="FF0000"/>
+              </a:solidFill>
+            </a:endParaRPr>
+          </a:p>
+        </p:txBody>
+      </p:sp>
+      <p:sp>
+        <p:nvSpPr>
+          <p:cNvPr id="21" name="文本框 20">
+            <a:extLst>
+              <a:ext uri="{FF2B5EF4-FFF2-40B4-BE49-F238E27FC236}">
+                <a16:creationId xmlns:a16="http://schemas.microsoft.com/office/drawing/2014/main" id="{E4404D7A-C423-5023-6969-D6F802A1C341}"/>
+              </a:ext>
+            </a:extLst>
+          </p:cNvPr>
+          <p:cNvSpPr txBox="1"/>
+          <p:nvPr/>
+        </p:nvSpPr>
+        <p:spPr>
+          <a:xfrm>
+            <a:off x="9731545" y="5553507"/>
+            <a:ext cx="753732" cy="369332"/>
+          </a:xfrm>
+          <a:prstGeom prst="rect">
+            <a:avLst/>
+          </a:prstGeom>
+          <a:noFill/>
+        </p:spPr>
+        <p:txBody>
+          <a:bodyPr wrap="none" rtlCol="0">
+            <a:spAutoFit/>
+          </a:bodyPr>
+          <a:lstStyle/>
+          <a:p>
+            <a:r>
+              <a:rPr lang="en-US" altLang="zh-CN" b="1" dirty="0">
+                <a:solidFill>
+                  <a:srgbClr val="FF0000"/>
+                </a:solidFill>
+              </a:rPr>
+              <a:t>90.54</a:t>
+            </a:r>
+            <a:endParaRPr lang="zh-CN" altLang="en-US" b="1" dirty="0">
+              <a:solidFill>
+                <a:srgbClr val="FF0000"/>
+              </a:solidFill>
+            </a:endParaRPr>
+          </a:p>
+        </p:txBody>
+      </p:sp>
+      <p:sp>
+        <p:nvSpPr>
+          <p:cNvPr id="22" name="文本框 21">
+            <a:extLst>
+              <a:ext uri="{FF2B5EF4-FFF2-40B4-BE49-F238E27FC236}">
+                <a16:creationId xmlns:a16="http://schemas.microsoft.com/office/drawing/2014/main" id="{BED89C2B-E7E0-F682-184B-581AEE617695}"/>
+              </a:ext>
+            </a:extLst>
+          </p:cNvPr>
+          <p:cNvSpPr txBox="1"/>
+          <p:nvPr/>
+        </p:nvSpPr>
+        <p:spPr>
+          <a:xfrm>
+            <a:off x="9763006" y="5324938"/>
+            <a:ext cx="753732" cy="369332"/>
+          </a:xfrm>
+          <a:prstGeom prst="rect">
+            <a:avLst/>
+          </a:prstGeom>
+          <a:noFill/>
+        </p:spPr>
+        <p:txBody>
+          <a:bodyPr wrap="none" rtlCol="0">
+            <a:spAutoFit/>
+          </a:bodyPr>
+          <a:lstStyle/>
+          <a:p>
+            <a:r>
+              <a:rPr lang="en-US" altLang="zh-CN" b="1" dirty="0">
+                <a:solidFill>
+                  <a:srgbClr val="FF0000"/>
+                </a:solidFill>
+              </a:rPr>
+              <a:t>90.71</a:t>
+            </a:r>
+            <a:endParaRPr lang="zh-CN" altLang="en-US" b="1" dirty="0">
+              <a:solidFill>
+                <a:srgbClr val="FF0000"/>
+              </a:solidFill>
+            </a:endParaRPr>
+          </a:p>
+        </p:txBody>
+      </p:sp>
+      <p:sp>
+        <p:nvSpPr>
+          <p:cNvPr id="23" name="文本框 22">
+            <a:extLst>
+              <a:ext uri="{FF2B5EF4-FFF2-40B4-BE49-F238E27FC236}">
+                <a16:creationId xmlns:a16="http://schemas.microsoft.com/office/drawing/2014/main" id="{56361FFD-848E-90D7-AA7B-E87F5C7ECDB7}"/>
+              </a:ext>
+            </a:extLst>
+          </p:cNvPr>
+          <p:cNvSpPr txBox="1"/>
+          <p:nvPr/>
+        </p:nvSpPr>
+        <p:spPr>
+          <a:xfrm>
+            <a:off x="9809452" y="5025988"/>
+            <a:ext cx="753732" cy="369332"/>
+          </a:xfrm>
+          <a:prstGeom prst="rect">
+            <a:avLst/>
+          </a:prstGeom>
+          <a:noFill/>
+        </p:spPr>
+        <p:txBody>
+          <a:bodyPr wrap="none" rtlCol="0">
+            <a:spAutoFit/>
+          </a:bodyPr>
+          <a:lstStyle/>
+          <a:p>
+            <a:r>
+              <a:rPr lang="en-US" altLang="zh-CN" b="1" dirty="0">
+                <a:solidFill>
+                  <a:srgbClr val="FF0000"/>
+                </a:solidFill>
+              </a:rPr>
+              <a:t>87.82</a:t>
+            </a:r>
+            <a:endParaRPr lang="zh-CN" altLang="en-US" b="1" dirty="0">
+              <a:solidFill>
+                <a:srgbClr val="FF0000"/>
+              </a:solidFill>
+            </a:endParaRPr>
           </a:p>
         </p:txBody>
       </p:sp>
     </p:spTree>
     <p:extLst>
       <p:ext uri="{BB962C8B-B14F-4D97-AF65-F5344CB8AC3E}">
-        <p14:creationId xmlns:p14="http://schemas.microsoft.com/office/powerpoint/2010/main" val="2029551513"/>
+        <p14:creationId xmlns:p14="http://schemas.microsoft.com/office/powerpoint/2010/main" val="2185474282"/>
       </p:ext>
     </p:extLst>
   </p:cSld>
@@ -3631,12 +5173,244 @@
           <a:chExt cx="0" cy="0"/>
         </a:xfrm>
       </p:grpSpPr>
-      <p:sp>
-        <p:nvSpPr>
-          <p:cNvPr id="2" name="文本框 1">
-            <a:extLst>
-              <a:ext uri="{FF2B5EF4-FFF2-40B4-BE49-F238E27FC236}">
-                <a16:creationId xmlns:a16="http://schemas.microsoft.com/office/drawing/2014/main" id="{82F80359-A27C-D263-DD65-9B6DF4F9A548}"/>
+      <p:pic>
+        <p:nvPicPr>
+          <p:cNvPr id="3" name="图片 2">
+            <a:extLst>
+              <a:ext uri="{FF2B5EF4-FFF2-40B4-BE49-F238E27FC236}">
+                <a16:creationId xmlns:a16="http://schemas.microsoft.com/office/drawing/2014/main" id="{FCDC2A6F-8279-BBF1-B74E-19DD7D0129A4}"/>
+              </a:ext>
+            </a:extLst>
+          </p:cNvPr>
+          <p:cNvPicPr>
+            <a:picLocks noChangeAspect="1"/>
+          </p:cNvPicPr>
+          <p:nvPr/>
+        </p:nvPicPr>
+        <p:blipFill>
+          <a:blip r:embed="rId2"/>
+          <a:stretch>
+            <a:fillRect/>
+          </a:stretch>
+        </p:blipFill>
+        <p:spPr>
+          <a:xfrm>
+            <a:off x="80529" y="316039"/>
+            <a:ext cx="4633362" cy="4397121"/>
+          </a:xfrm>
+          <a:prstGeom prst="rect">
+            <a:avLst/>
+          </a:prstGeom>
+        </p:spPr>
+      </p:pic>
+      <p:pic>
+        <p:nvPicPr>
+          <p:cNvPr id="4" name="图片 3">
+            <a:extLst>
+              <a:ext uri="{FF2B5EF4-FFF2-40B4-BE49-F238E27FC236}">
+                <a16:creationId xmlns:a16="http://schemas.microsoft.com/office/drawing/2014/main" id="{A3A86E02-8301-7D90-3A3E-DE0F2C335263}"/>
+              </a:ext>
+            </a:extLst>
+          </p:cNvPr>
+          <p:cNvPicPr>
+            <a:picLocks noChangeAspect="1"/>
+          </p:cNvPicPr>
+          <p:nvPr/>
+        </p:nvPicPr>
+        <p:blipFill rotWithShape="1">
+          <a:blip r:embed="rId3"/>
+          <a:srcRect r="51235"/>
+          <a:stretch/>
+        </p:blipFill>
+        <p:spPr>
+          <a:xfrm>
+            <a:off x="5314321" y="627117"/>
+            <a:ext cx="1300664" cy="2110923"/>
+          </a:xfrm>
+          <a:prstGeom prst="rect">
+            <a:avLst/>
+          </a:prstGeom>
+          <a:ln w="28575">
+            <a:solidFill>
+              <a:srgbClr val="FF0000"/>
+            </a:solidFill>
+          </a:ln>
+        </p:spPr>
+      </p:pic>
+      <p:sp>
+        <p:nvSpPr>
+          <p:cNvPr id="5" name="箭头: 右 4">
+            <a:extLst>
+              <a:ext uri="{FF2B5EF4-FFF2-40B4-BE49-F238E27FC236}">
+                <a16:creationId xmlns:a16="http://schemas.microsoft.com/office/drawing/2014/main" id="{1BCF2EAB-95D5-AF73-9E83-4308969A7E80}"/>
+              </a:ext>
+            </a:extLst>
+          </p:cNvPr>
+          <p:cNvSpPr/>
+          <p:nvPr/>
+        </p:nvSpPr>
+        <p:spPr>
+          <a:xfrm>
+            <a:off x="4843849" y="1408670"/>
+            <a:ext cx="551935" cy="601362"/>
+          </a:xfrm>
+          <a:prstGeom prst="rightArrow">
+            <a:avLst/>
+          </a:prstGeom>
+          <a:solidFill>
+            <a:srgbClr val="FF0000"/>
+          </a:solidFill>
+          <a:ln>
+            <a:solidFill>
+              <a:srgbClr val="FF0000"/>
+            </a:solidFill>
+          </a:ln>
+        </p:spPr>
+        <p:style>
+          <a:lnRef idx="2">
+            <a:schemeClr val="accent2">
+              <a:shade val="15000"/>
+            </a:schemeClr>
+          </a:lnRef>
+          <a:fillRef idx="1">
+            <a:schemeClr val="accent2"/>
+          </a:fillRef>
+          <a:effectRef idx="0">
+            <a:schemeClr val="accent2"/>
+          </a:effectRef>
+          <a:fontRef idx="minor">
+            <a:schemeClr val="lt1"/>
+          </a:fontRef>
+        </p:style>
+        <p:txBody>
+          <a:bodyPr rtlCol="0" anchor="ctr"/>
+          <a:lstStyle/>
+          <a:p>
+            <a:pPr algn="ctr"/>
+            <a:endParaRPr lang="zh-CN" altLang="en-US"/>
+          </a:p>
+        </p:txBody>
+      </p:sp>
+      <p:pic>
+        <p:nvPicPr>
+          <p:cNvPr id="6" name="图片 5">
+            <a:extLst>
+              <a:ext uri="{FF2B5EF4-FFF2-40B4-BE49-F238E27FC236}">
+                <a16:creationId xmlns:a16="http://schemas.microsoft.com/office/drawing/2014/main" id="{1F971348-5B1E-E043-F6F2-35073811A65A}"/>
+              </a:ext>
+            </a:extLst>
+          </p:cNvPr>
+          <p:cNvPicPr>
+            <a:picLocks noChangeAspect="1"/>
+          </p:cNvPicPr>
+          <p:nvPr/>
+        </p:nvPicPr>
+        <p:blipFill>
+          <a:blip r:embed="rId4"/>
+          <a:stretch>
+            <a:fillRect/>
+          </a:stretch>
+        </p:blipFill>
+        <p:spPr>
+          <a:xfrm>
+            <a:off x="4713891" y="2350974"/>
+            <a:ext cx="6629442" cy="2880052"/>
+          </a:xfrm>
+          <a:prstGeom prst="rect">
+            <a:avLst/>
+          </a:prstGeom>
+        </p:spPr>
+      </p:pic>
+      <p:pic>
+        <p:nvPicPr>
+          <p:cNvPr id="7" name="图片 6">
+            <a:extLst>
+              <a:ext uri="{FF2B5EF4-FFF2-40B4-BE49-F238E27FC236}">
+                <a16:creationId xmlns:a16="http://schemas.microsoft.com/office/drawing/2014/main" id="{70AFEFA9-4927-AD94-B92F-A646DF97F41E}"/>
+              </a:ext>
+            </a:extLst>
+          </p:cNvPr>
+          <p:cNvPicPr>
+            <a:picLocks noChangeAspect="1"/>
+          </p:cNvPicPr>
+          <p:nvPr/>
+        </p:nvPicPr>
+        <p:blipFill>
+          <a:blip r:embed="rId5"/>
+          <a:stretch>
+            <a:fillRect/>
+          </a:stretch>
+        </p:blipFill>
+        <p:spPr>
+          <a:xfrm>
+            <a:off x="9825670" y="1279527"/>
+            <a:ext cx="1638442" cy="1341236"/>
+          </a:xfrm>
+          <a:prstGeom prst="rect">
+            <a:avLst/>
+          </a:prstGeom>
+          <a:ln w="38100">
+            <a:solidFill>
+              <a:srgbClr val="FF0000"/>
+            </a:solidFill>
+          </a:ln>
+        </p:spPr>
+      </p:pic>
+      <p:sp>
+        <p:nvSpPr>
+          <p:cNvPr id="8" name="箭头: 右 7">
+            <a:extLst>
+              <a:ext uri="{FF2B5EF4-FFF2-40B4-BE49-F238E27FC236}">
+                <a16:creationId xmlns:a16="http://schemas.microsoft.com/office/drawing/2014/main" id="{1235BD03-682E-59B3-E568-D781708D1BCF}"/>
+              </a:ext>
+            </a:extLst>
+          </p:cNvPr>
+          <p:cNvSpPr/>
+          <p:nvPr/>
+        </p:nvSpPr>
+        <p:spPr>
+          <a:xfrm rot="20453926">
+            <a:off x="8648371" y="2203343"/>
+            <a:ext cx="1300664" cy="708454"/>
+          </a:xfrm>
+          <a:prstGeom prst="rightArrow">
+            <a:avLst/>
+          </a:prstGeom>
+          <a:solidFill>
+            <a:srgbClr val="FF0000"/>
+          </a:solidFill>
+        </p:spPr>
+        <p:style>
+          <a:lnRef idx="2">
+            <a:schemeClr val="accent1">
+              <a:shade val="15000"/>
+            </a:schemeClr>
+          </a:lnRef>
+          <a:fillRef idx="1">
+            <a:schemeClr val="accent1"/>
+          </a:fillRef>
+          <a:effectRef idx="0">
+            <a:schemeClr val="accent1"/>
+          </a:effectRef>
+          <a:fontRef idx="minor">
+            <a:schemeClr val="lt1"/>
+          </a:fontRef>
+        </p:style>
+        <p:txBody>
+          <a:bodyPr rtlCol="0" anchor="ctr"/>
+          <a:lstStyle/>
+          <a:p>
+            <a:pPr algn="ctr"/>
+            <a:endParaRPr lang="zh-CN" altLang="en-US"/>
+          </a:p>
+        </p:txBody>
+      </p:sp>
+      <p:sp>
+        <p:nvSpPr>
+          <p:cNvPr id="9" name="文本框 8">
+            <a:extLst>
+              <a:ext uri="{FF2B5EF4-FFF2-40B4-BE49-F238E27FC236}">
+                <a16:creationId xmlns:a16="http://schemas.microsoft.com/office/drawing/2014/main" id="{ADB1764D-C26B-F2D7-EF01-3B627B621978}"/>
               </a:ext>
             </a:extLst>
           </p:cNvPr>
@@ -3645,8 +5419,8 @@
         </p:nvSpPr>
         <p:spPr>
           <a:xfrm>
-            <a:off x="342900" y="3132755"/>
-            <a:ext cx="4612822" cy="369332"/>
+            <a:off x="6809445" y="1709351"/>
+            <a:ext cx="1758815" cy="369332"/>
           </a:xfrm>
           <a:prstGeom prst="rect">
             <a:avLst/>
@@ -3654,23 +5428,77 @@
           <a:noFill/>
         </p:spPr>
         <p:txBody>
-          <a:bodyPr wrap="square" rtlCol="0">
+          <a:bodyPr wrap="none" rtlCol="0">
             <a:spAutoFit/>
           </a:bodyPr>
           <a:lstStyle/>
           <a:p>
             <a:r>
-              <a:rPr lang="zh-CN" altLang="en-US"/>
-              <a:t>一些想法</a:t>
-            </a:r>
-            <a:endParaRPr lang="en-US" altLang="zh-CN" dirty="0"/>
+              <a:rPr lang="zh-CN" altLang="en-US" dirty="0">
+                <a:solidFill>
+                  <a:srgbClr val="FF0000"/>
+                </a:solidFill>
+              </a:rPr>
+              <a:t>在</a:t>
+            </a:r>
+            <a:r>
+              <a:rPr lang="en-US" altLang="zh-CN" dirty="0" err="1">
+                <a:solidFill>
+                  <a:srgbClr val="FF0000"/>
+                </a:solidFill>
+              </a:rPr>
+              <a:t>img</a:t>
+            </a:r>
+            <a:r>
+              <a:rPr lang="zh-CN" altLang="en-US" dirty="0">
+                <a:solidFill>
+                  <a:srgbClr val="FF0000"/>
+                </a:solidFill>
+              </a:rPr>
+              <a:t>文件夹里</a:t>
+            </a:r>
+          </a:p>
+        </p:txBody>
+      </p:sp>
+      <p:sp>
+        <p:nvSpPr>
+          <p:cNvPr id="10" name="文本框 9">
+            <a:extLst>
+              <a:ext uri="{FF2B5EF4-FFF2-40B4-BE49-F238E27FC236}">
+                <a16:creationId xmlns:a16="http://schemas.microsoft.com/office/drawing/2014/main" id="{6308BB4F-71D5-DFDE-FB47-E6113C5360E6}"/>
+              </a:ext>
+            </a:extLst>
+          </p:cNvPr>
+          <p:cNvSpPr txBox="1"/>
+          <p:nvPr/>
+        </p:nvSpPr>
+        <p:spPr>
+          <a:xfrm>
+            <a:off x="374241" y="4927009"/>
+            <a:ext cx="4339650" cy="369332"/>
+          </a:xfrm>
+          <a:prstGeom prst="rect">
+            <a:avLst/>
+          </a:prstGeom>
+          <a:noFill/>
+        </p:spPr>
+        <p:txBody>
+          <a:bodyPr wrap="none" rtlCol="0">
+            <a:spAutoFit/>
+          </a:bodyPr>
+          <a:lstStyle/>
+          <a:p>
+            <a:r>
+              <a:rPr lang="zh-CN" altLang="en-US" dirty="0"/>
+              <a:t>要重新画过，已经画好了直接拼一下即可</a:t>
+            </a:r>
           </a:p>
         </p:txBody>
       </p:sp>
     </p:spTree>
     <p:extLst>
       <p:ext uri="{BB962C8B-B14F-4D97-AF65-F5344CB8AC3E}">
-        <p14:creationId xmlns:p14="http://schemas.microsoft.com/office/powerpoint/2010/main" val="316431826"/>
+        <p14:creationId xmlns:p14="http://schemas.microsoft.com/office/powerpoint/2010/main" val="28127502"/>
       </p:ext>
     </p:extLst>
   </p:cSld>
@@ -3697,10 +5525,567 @@
           <a:chExt cx="0" cy="0"/>
         </a:xfrm>
       </p:grpSpPr>
+      <p:pic>
+        <p:nvPicPr>
+          <p:cNvPr id="2" name="图片 1">
+            <a:extLst>
+              <a:ext uri="{FF2B5EF4-FFF2-40B4-BE49-F238E27FC236}">
+                <a16:creationId xmlns:a16="http://schemas.microsoft.com/office/drawing/2014/main" id="{6C2D0B01-EFE7-E44E-601A-02F71F2AC4D8}"/>
+              </a:ext>
+            </a:extLst>
+          </p:cNvPr>
+          <p:cNvPicPr>
+            <a:picLocks noChangeAspect="1"/>
+          </p:cNvPicPr>
+          <p:nvPr/>
+        </p:nvPicPr>
+        <p:blipFill>
+          <a:blip r:embed="rId2"/>
+          <a:stretch>
+            <a:fillRect/>
+          </a:stretch>
+        </p:blipFill>
+        <p:spPr>
+          <a:xfrm>
+            <a:off x="-77009" y="330805"/>
+            <a:ext cx="5992586" cy="4830255"/>
+          </a:xfrm>
+          <a:prstGeom prst="rect">
+            <a:avLst/>
+          </a:prstGeom>
+        </p:spPr>
+      </p:pic>
+      <p:sp>
+        <p:nvSpPr>
+          <p:cNvPr id="10" name="文本框 9">
+            <a:extLst>
+              <a:ext uri="{FF2B5EF4-FFF2-40B4-BE49-F238E27FC236}">
+                <a16:creationId xmlns:a16="http://schemas.microsoft.com/office/drawing/2014/main" id="{6D6BF424-5660-6309-9343-7D1FD6FC17D3}"/>
+              </a:ext>
+            </a:extLst>
+          </p:cNvPr>
+          <p:cNvSpPr txBox="1"/>
+          <p:nvPr/>
+        </p:nvSpPr>
+        <p:spPr>
+          <a:xfrm>
+            <a:off x="5915577" y="1189374"/>
+            <a:ext cx="3823483" cy="1200329"/>
+          </a:xfrm>
+          <a:prstGeom prst="rect">
+            <a:avLst/>
+          </a:prstGeom>
+          <a:noFill/>
+        </p:spPr>
+        <p:txBody>
+          <a:bodyPr wrap="none" rtlCol="0">
+            <a:spAutoFit/>
+          </a:bodyPr>
+          <a:lstStyle/>
+          <a:p>
+            <a:r>
+              <a:rPr lang="zh-CN" altLang="en-US" dirty="0">
+                <a:solidFill>
+                  <a:srgbClr val="FF0000"/>
+                </a:solidFill>
+              </a:rPr>
+              <a:t>不太好，还是画时频图更好</a:t>
+            </a:r>
+            <a:endParaRPr lang="en-US" altLang="zh-CN" dirty="0">
+              <a:solidFill>
+                <a:srgbClr val="FF0000"/>
+              </a:solidFill>
+            </a:endParaRPr>
+          </a:p>
+          <a:p>
+            <a:endParaRPr lang="en-US" altLang="zh-CN" dirty="0">
+              <a:solidFill>
+                <a:srgbClr val="FF0000"/>
+              </a:solidFill>
+            </a:endParaRPr>
+          </a:p>
+          <a:p>
+            <a:r>
+              <a:rPr lang="zh-CN" altLang="en-US" dirty="0">
+                <a:solidFill>
+                  <a:srgbClr val="FF0000"/>
+                </a:solidFill>
+              </a:rPr>
+              <a:t>把某一电极如</a:t>
+            </a:r>
+            <a:r>
+              <a:rPr lang="en-US" altLang="zh-CN" dirty="0" err="1">
+                <a:solidFill>
+                  <a:srgbClr val="FF0000"/>
+                </a:solidFill>
+              </a:rPr>
+              <a:t>POz</a:t>
+            </a:r>
+            <a:r>
+              <a:rPr lang="zh-CN" altLang="en-US" dirty="0">
+                <a:solidFill>
+                  <a:srgbClr val="FF0000"/>
+                </a:solidFill>
+              </a:rPr>
+              <a:t>的滤波器特征张量</a:t>
+            </a:r>
+            <a:endParaRPr lang="en-US" altLang="zh-CN" dirty="0">
+              <a:solidFill>
+                <a:srgbClr val="FF0000"/>
+              </a:solidFill>
+            </a:endParaRPr>
+          </a:p>
+          <a:p>
+            <a:r>
+              <a:rPr lang="zh-CN" altLang="en-US" dirty="0">
+                <a:solidFill>
+                  <a:srgbClr val="FF0000"/>
+                </a:solidFill>
+              </a:rPr>
+              <a:t>提取出来小波变换一下就行</a:t>
+            </a:r>
+          </a:p>
+        </p:txBody>
+      </p:sp>
+      <p:pic>
+        <p:nvPicPr>
+          <p:cNvPr id="11" name="图片 10">
+            <a:extLst>
+              <a:ext uri="{FF2B5EF4-FFF2-40B4-BE49-F238E27FC236}">
+                <a16:creationId xmlns:a16="http://schemas.microsoft.com/office/drawing/2014/main" id="{2FF4FF47-41FC-92D6-6B44-04E2BD172F44}"/>
+              </a:ext>
+            </a:extLst>
+          </p:cNvPr>
+          <p:cNvPicPr>
+            <a:picLocks noChangeAspect="1"/>
+          </p:cNvPicPr>
+          <p:nvPr/>
+        </p:nvPicPr>
+        <p:blipFill>
+          <a:blip r:embed="rId3"/>
+          <a:stretch>
+            <a:fillRect/>
+          </a:stretch>
+        </p:blipFill>
+        <p:spPr>
+          <a:xfrm>
+            <a:off x="5505887" y="2533653"/>
+            <a:ext cx="6571768" cy="3072250"/>
+          </a:xfrm>
+          <a:prstGeom prst="rect">
+            <a:avLst/>
+          </a:prstGeom>
+        </p:spPr>
+      </p:pic>
+      <p:sp>
+        <p:nvSpPr>
+          <p:cNvPr id="12" name="箭头: 右 11">
+            <a:extLst>
+              <a:ext uri="{FF2B5EF4-FFF2-40B4-BE49-F238E27FC236}">
+                <a16:creationId xmlns:a16="http://schemas.microsoft.com/office/drawing/2014/main" id="{6289C2EA-D1AB-C39A-6550-AFECDD4AB968}"/>
+              </a:ext>
+            </a:extLst>
+          </p:cNvPr>
+          <p:cNvSpPr/>
+          <p:nvPr/>
+        </p:nvSpPr>
+        <p:spPr>
+          <a:xfrm rot="1063636">
+            <a:off x="4537936" y="2927129"/>
+            <a:ext cx="1300664" cy="708454"/>
+          </a:xfrm>
+          <a:prstGeom prst="rightArrow">
+            <a:avLst/>
+          </a:prstGeom>
+          <a:solidFill>
+            <a:srgbClr val="FF0000"/>
+          </a:solidFill>
+        </p:spPr>
+        <p:style>
+          <a:lnRef idx="2">
+            <a:schemeClr val="accent1">
+              <a:shade val="15000"/>
+            </a:schemeClr>
+          </a:lnRef>
+          <a:fillRef idx="1">
+            <a:schemeClr val="accent1"/>
+          </a:fillRef>
+          <a:effectRef idx="0">
+            <a:schemeClr val="accent1"/>
+          </a:effectRef>
+          <a:fontRef idx="minor">
+            <a:schemeClr val="lt1"/>
+          </a:fontRef>
+        </p:style>
+        <p:txBody>
+          <a:bodyPr rtlCol="0" anchor="ctr"/>
+          <a:lstStyle/>
+          <a:p>
+            <a:pPr algn="ctr"/>
+            <a:endParaRPr lang="zh-CN" altLang="en-US"/>
+          </a:p>
+        </p:txBody>
+      </p:sp>
+      <p:sp>
+        <p:nvSpPr>
+          <p:cNvPr id="13" name="文本框 12">
+            <a:extLst>
+              <a:ext uri="{FF2B5EF4-FFF2-40B4-BE49-F238E27FC236}">
+                <a16:creationId xmlns:a16="http://schemas.microsoft.com/office/drawing/2014/main" id="{7FDCD82A-B312-D208-0B08-518CC0E729F6}"/>
+              </a:ext>
+            </a:extLst>
+          </p:cNvPr>
+          <p:cNvSpPr txBox="1"/>
+          <p:nvPr/>
+        </p:nvSpPr>
+        <p:spPr>
+          <a:xfrm>
+            <a:off x="5819076" y="468380"/>
+            <a:ext cx="1338828" cy="369332"/>
+          </a:xfrm>
+          <a:prstGeom prst="rect">
+            <a:avLst/>
+          </a:prstGeom>
+          <a:noFill/>
+        </p:spPr>
+        <p:txBody>
+          <a:bodyPr wrap="none" rtlCol="0">
+            <a:spAutoFit/>
+          </a:bodyPr>
+          <a:lstStyle/>
+          <a:p>
+            <a:r>
+              <a:rPr lang="zh-CN" altLang="en-US" b="1" dirty="0"/>
+              <a:t>关于特征图</a:t>
+            </a:r>
+          </a:p>
+        </p:txBody>
+      </p:sp>
     </p:spTree>
     <p:extLst>
       <p:ext uri="{BB962C8B-B14F-4D97-AF65-F5344CB8AC3E}">
-        <p14:creationId xmlns:p14="http://schemas.microsoft.com/office/powerpoint/2010/main" val="4033458037"/>
+        <p14:creationId xmlns:p14="http://schemas.microsoft.com/office/powerpoint/2010/main" val="3565479111"/>
+      </p:ext>
+    </p:extLst>
+  </p:cSld>
+  <p:clrMapOvr>
+    <a:masterClrMapping/>
+  </p:clrMapOvr>
+</p:sld>
+</file>
+
+<file path=ppt/slides/slide6.xml><?xml version="1.0" encoding="utf-8"?>
+<p:sld xmlns:a="http://schemas.openxmlformats.org/drawingml/2006/main" xmlns:r="http://schemas.openxmlformats.org/officeDocument/2006/relationships" xmlns:p="http://schemas.openxmlformats.org/presentationml/2006/main">
+  <p:cSld>
+    <p:spTree>
+      <p:nvGrpSpPr>
+        <p:cNvPr id="1" name=""/>
+        <p:cNvGrpSpPr/>
+        <p:nvPr/>
+      </p:nvGrpSpPr>
+      <p:grpSpPr>
+        <a:xfrm>
+          <a:off x="0" y="0"/>
+          <a:ext cx="0" cy="0"/>
+          <a:chOff x="0" y="0"/>
+          <a:chExt cx="0" cy="0"/>
+        </a:xfrm>
+      </p:grpSpPr>
+      <p:sp>
+        <p:nvSpPr>
+          <p:cNvPr id="2" name="文本框 1">
+            <a:extLst>
+              <a:ext uri="{FF2B5EF4-FFF2-40B4-BE49-F238E27FC236}">
+                <a16:creationId xmlns:a16="http://schemas.microsoft.com/office/drawing/2014/main" id="{F1F8CD00-40E5-2D3F-2AD5-02069DED5FDA}"/>
+              </a:ext>
+            </a:extLst>
+          </p:cNvPr>
+          <p:cNvSpPr txBox="1"/>
+          <p:nvPr/>
+        </p:nvSpPr>
+        <p:spPr>
+          <a:xfrm>
+            <a:off x="202250" y="498022"/>
+            <a:ext cx="4612822" cy="369332"/>
+          </a:xfrm>
+          <a:prstGeom prst="rect">
+            <a:avLst/>
+          </a:prstGeom>
+          <a:noFill/>
+        </p:spPr>
+        <p:txBody>
+          <a:bodyPr wrap="square" rtlCol="0">
+            <a:spAutoFit/>
+          </a:bodyPr>
+          <a:lstStyle/>
+          <a:p>
+            <a:r>
+              <a:rPr lang="zh-CN" altLang="en-US" b="1" dirty="0"/>
+              <a:t>一些比较好的库</a:t>
+            </a:r>
+            <a:endParaRPr lang="en-US" altLang="zh-CN" b="1" dirty="0"/>
+          </a:p>
+        </p:txBody>
+      </p:sp>
+      <p:sp>
+        <p:nvSpPr>
+          <p:cNvPr id="7" name="文本框 6">
+            <a:extLst>
+              <a:ext uri="{FF2B5EF4-FFF2-40B4-BE49-F238E27FC236}">
+                <a16:creationId xmlns:a16="http://schemas.microsoft.com/office/drawing/2014/main" id="{B4108676-61BA-7184-E0EA-774799505226}"/>
+              </a:ext>
+            </a:extLst>
+          </p:cNvPr>
+          <p:cNvSpPr txBox="1"/>
+          <p:nvPr/>
+        </p:nvSpPr>
+        <p:spPr>
+          <a:xfrm>
+            <a:off x="202250" y="1197870"/>
+            <a:ext cx="6094638" cy="4247317"/>
+          </a:xfrm>
+          <a:prstGeom prst="rect">
+            <a:avLst/>
+          </a:prstGeom>
+          <a:noFill/>
+        </p:spPr>
+        <p:txBody>
+          <a:bodyPr wrap="square">
+            <a:spAutoFit/>
+          </a:bodyPr>
+          <a:lstStyle/>
+          <a:p>
+            <a:r>
+              <a:rPr lang="zh-CN" altLang="en-US" dirty="0"/>
+              <a:t>算法库：</a:t>
+            </a:r>
+          </a:p>
+          <a:p>
+            <a:r>
+              <a:rPr lang="zh-CN" altLang="en-US" dirty="0"/>
+              <a:t>https://braindecode.org/stable/api.html</a:t>
+            </a:r>
+          </a:p>
+          <a:p>
+            <a:r>
+              <a:rPr lang="zh-CN" altLang="en-US" dirty="0"/>
+              <a:t>https://github.com/braindecode/braindecode</a:t>
+            </a:r>
+          </a:p>
+          <a:p>
+            <a:endParaRPr lang="zh-CN" altLang="en-US" dirty="0"/>
+          </a:p>
+          <a:p>
+            <a:r>
+              <a:rPr lang="zh-CN" altLang="en-US" dirty="0"/>
+              <a:t>算法库：</a:t>
+            </a:r>
+          </a:p>
+          <a:p>
+            <a:r>
+              <a:rPr lang="zh-CN" altLang="en-US" dirty="0"/>
+              <a:t>https://ssvep-analysis-toolbox.readthedocs.io/en/latest/</a:t>
+            </a:r>
+          </a:p>
+          <a:p>
+            <a:r>
+              <a:rPr lang="zh-CN" altLang="en-US" dirty="0"/>
+              <a:t>https://github.com/pikipity/SSVEP-Analysis-Toolbox</a:t>
+            </a:r>
+          </a:p>
+          <a:p>
+            <a:endParaRPr lang="zh-CN" altLang="en-US" dirty="0"/>
+          </a:p>
+          <a:p>
+            <a:r>
+              <a:rPr lang="zh-CN" altLang="en-US" dirty="0"/>
+              <a:t>https://openbci.com/</a:t>
+            </a:r>
+          </a:p>
+          <a:p>
+            <a:r>
+              <a:rPr lang="zh-CN" altLang="en-US" dirty="0"/>
+              <a:t>https://github.com/OpenBCI/OpenBCI_GUI</a:t>
+            </a:r>
+          </a:p>
+          <a:p>
+            <a:endParaRPr lang="zh-CN" altLang="en-US" dirty="0"/>
+          </a:p>
+          <a:p>
+            <a:r>
+              <a:rPr lang="zh-CN" altLang="en-US" dirty="0"/>
+              <a:t>https://github.com/AI-Tianlong/SSVEP-BCI-OpenBCI</a:t>
+            </a:r>
+          </a:p>
+          <a:p>
+            <a:r>
+              <a:rPr lang="zh-CN" altLang="en-US" dirty="0"/>
+              <a:t>在线控制机械臂，比较完整的项目</a:t>
+            </a:r>
+          </a:p>
+          <a:p>
+            <a:endParaRPr lang="zh-CN" altLang="en-US" dirty="0"/>
+          </a:p>
+          <a:p>
+            <a:r>
+              <a:rPr lang="zh-CN" altLang="en-US" dirty="0"/>
+              <a:t>https://wearablesensing.com/brain-computer-interface/</a:t>
+            </a:r>
+          </a:p>
+        </p:txBody>
+      </p:sp>
+      <p:sp>
+        <p:nvSpPr>
+          <p:cNvPr id="9" name="文本框 8">
+            <a:extLst>
+              <a:ext uri="{FF2B5EF4-FFF2-40B4-BE49-F238E27FC236}">
+                <a16:creationId xmlns:a16="http://schemas.microsoft.com/office/drawing/2014/main" id="{A9B78DEF-963F-8BC7-7A19-DC5461D20061}"/>
+              </a:ext>
+            </a:extLst>
+          </p:cNvPr>
+          <p:cNvSpPr txBox="1"/>
+          <p:nvPr/>
+        </p:nvSpPr>
+        <p:spPr>
+          <a:xfrm>
+            <a:off x="6370864" y="1129443"/>
+            <a:ext cx="3797422" cy="923330"/>
+          </a:xfrm>
+          <a:prstGeom prst="rect">
+            <a:avLst/>
+          </a:prstGeom>
+          <a:noFill/>
+        </p:spPr>
+        <p:txBody>
+          <a:bodyPr wrap="square">
+            <a:spAutoFit/>
+          </a:bodyPr>
+          <a:lstStyle/>
+          <a:p>
+            <a:r>
+              <a:rPr lang="zh-CN" altLang="en-US" dirty="0"/>
+              <a:t>统计</a:t>
+            </a:r>
+            <a:r>
+              <a:rPr lang="en-US" altLang="zh-CN" dirty="0"/>
+              <a:t>&amp;</a:t>
+            </a:r>
+            <a:r>
+              <a:rPr lang="zh-CN" altLang="en-US" dirty="0"/>
+              <a:t>绘图</a:t>
+            </a:r>
+            <a:endParaRPr lang="en-US" altLang="zh-CN" dirty="0"/>
+          </a:p>
+          <a:p>
+            <a:r>
+              <a:rPr lang="zh-CN" altLang="en-US" dirty="0"/>
+              <a:t>seaborn、matplotlib</a:t>
+            </a:r>
+          </a:p>
+          <a:p>
+            <a:r>
+              <a:rPr lang="zh-CN" altLang="en-US" dirty="0"/>
+              <a:t>亿图图示、SPSS、GraphPad Prsim</a:t>
+            </a:r>
+          </a:p>
+        </p:txBody>
+      </p:sp>
+    </p:spTree>
+    <p:extLst>
+      <p:ext uri="{BB962C8B-B14F-4D97-AF65-F5344CB8AC3E}">
+        <p14:creationId xmlns:p14="http://schemas.microsoft.com/office/powerpoint/2010/main" val="2029551513"/>
+      </p:ext>
+    </p:extLst>
+  </p:cSld>
+  <p:clrMapOvr>
+    <a:masterClrMapping/>
+  </p:clrMapOvr>
+</p:sld>
+</file>
+
+<file path=ppt/slides/slide7.xml><?xml version="1.0" encoding="utf-8"?>
+<p:sld xmlns:a="http://schemas.openxmlformats.org/drawingml/2006/main" xmlns:r="http://schemas.openxmlformats.org/officeDocument/2006/relationships" xmlns:p="http://schemas.openxmlformats.org/presentationml/2006/main">
+  <p:cSld>
+    <p:spTree>
+      <p:nvGrpSpPr>
+        <p:cNvPr id="1" name=""/>
+        <p:cNvGrpSpPr/>
+        <p:nvPr/>
+      </p:nvGrpSpPr>
+      <p:grpSpPr>
+        <a:xfrm>
+          <a:off x="0" y="0"/>
+          <a:ext cx="0" cy="0"/>
+          <a:chOff x="0" y="0"/>
+          <a:chExt cx="0" cy="0"/>
+        </a:xfrm>
+      </p:grpSpPr>
+      <p:sp>
+        <p:nvSpPr>
+          <p:cNvPr id="2" name="文本框 1">
+            <a:extLst>
+              <a:ext uri="{FF2B5EF4-FFF2-40B4-BE49-F238E27FC236}">
+                <a16:creationId xmlns:a16="http://schemas.microsoft.com/office/drawing/2014/main" id="{6B905F09-6473-03D3-FB4E-9A576256379F}"/>
+              </a:ext>
+            </a:extLst>
+          </p:cNvPr>
+          <p:cNvSpPr txBox="1"/>
+          <p:nvPr/>
+        </p:nvSpPr>
+        <p:spPr>
+          <a:xfrm>
+            <a:off x="465363" y="457200"/>
+            <a:ext cx="5404757" cy="1200329"/>
+          </a:xfrm>
+          <a:prstGeom prst="rect">
+            <a:avLst/>
+          </a:prstGeom>
+          <a:noFill/>
+        </p:spPr>
+        <p:txBody>
+          <a:bodyPr wrap="square" rtlCol="0">
+            <a:spAutoFit/>
+          </a:bodyPr>
+          <a:lstStyle/>
+          <a:p>
+            <a:r>
+              <a:rPr lang="zh-CN" altLang="en-US" dirty="0"/>
+              <a:t>系统说明</a:t>
+            </a:r>
+            <a:endParaRPr lang="en-US" altLang="zh-CN" dirty="0"/>
+          </a:p>
+          <a:p>
+            <a:pPr marL="342900" indent="-342900">
+              <a:buAutoNum type="arabicPeriod"/>
+            </a:pPr>
+            <a:r>
+              <a:rPr lang="zh-CN" altLang="en-US" dirty="0"/>
+              <a:t>系统只是模拟，真实情况仍然需要真实实验</a:t>
+            </a:r>
+            <a:endParaRPr lang="en-US" altLang="zh-CN" dirty="0"/>
+          </a:p>
+          <a:p>
+            <a:pPr marL="342900" indent="-342900">
+              <a:buAutoNum type="arabicPeriod"/>
+            </a:pPr>
+            <a:r>
+              <a:rPr lang="zh-CN" altLang="en-US" dirty="0"/>
+              <a:t>目前支持动态窗，静态的自己补充方法</a:t>
+            </a:r>
+            <a:endParaRPr lang="en-US" altLang="zh-CN" dirty="0"/>
+          </a:p>
+          <a:p>
+            <a:pPr marL="342900" indent="-342900">
+              <a:buAutoNum type="arabicPeriod"/>
+            </a:pPr>
+            <a:endParaRPr lang="en-US" altLang="zh-CN" dirty="0"/>
+          </a:p>
+        </p:txBody>
+      </p:sp>
+    </p:spTree>
+    <p:extLst>
+      <p:ext uri="{BB962C8B-B14F-4D97-AF65-F5344CB8AC3E}">
+        <p14:creationId xmlns:p14="http://schemas.microsoft.com/office/powerpoint/2010/main" val="4086731117"/>
       </p:ext>
     </p:extLst>
   </p:cSld>

--- a/READ.pptx
+++ b/READ.pptx
@@ -265,7 +265,7 @@
           <a:p>
             <a:fld id="{BB907908-59CA-4E57-BDCF-0AFEC17AFD31}" type="datetimeFigureOut">
               <a:rPr lang="zh-CN" altLang="en-US" smtClean="0"/>
-              <a:t>2024-05-29</a:t>
+              <a:t>2024-06-01</a:t>
             </a:fld>
             <a:endParaRPr lang="zh-CN" altLang="en-US"/>
           </a:p>
@@ -463,7 +463,7 @@
           <a:p>
             <a:fld id="{BB907908-59CA-4E57-BDCF-0AFEC17AFD31}" type="datetimeFigureOut">
               <a:rPr lang="zh-CN" altLang="en-US" smtClean="0"/>
-              <a:t>2024-05-29</a:t>
+              <a:t>2024-06-01</a:t>
             </a:fld>
             <a:endParaRPr lang="zh-CN" altLang="en-US"/>
           </a:p>
@@ -671,7 +671,7 @@
           <a:p>
             <a:fld id="{BB907908-59CA-4E57-BDCF-0AFEC17AFD31}" type="datetimeFigureOut">
               <a:rPr lang="zh-CN" altLang="en-US" smtClean="0"/>
-              <a:t>2024-05-29</a:t>
+              <a:t>2024-06-01</a:t>
             </a:fld>
             <a:endParaRPr lang="zh-CN" altLang="en-US"/>
           </a:p>
@@ -869,7 +869,7 @@
           <a:p>
             <a:fld id="{BB907908-59CA-4E57-BDCF-0AFEC17AFD31}" type="datetimeFigureOut">
               <a:rPr lang="zh-CN" altLang="en-US" smtClean="0"/>
-              <a:t>2024-05-29</a:t>
+              <a:t>2024-06-01</a:t>
             </a:fld>
             <a:endParaRPr lang="zh-CN" altLang="en-US"/>
           </a:p>
@@ -1144,7 +1144,7 @@
           <a:p>
             <a:fld id="{BB907908-59CA-4E57-BDCF-0AFEC17AFD31}" type="datetimeFigureOut">
               <a:rPr lang="zh-CN" altLang="en-US" smtClean="0"/>
-              <a:t>2024-05-29</a:t>
+              <a:t>2024-06-01</a:t>
             </a:fld>
             <a:endParaRPr lang="zh-CN" altLang="en-US"/>
           </a:p>
@@ -1409,7 +1409,7 @@
           <a:p>
             <a:fld id="{BB907908-59CA-4E57-BDCF-0AFEC17AFD31}" type="datetimeFigureOut">
               <a:rPr lang="zh-CN" altLang="en-US" smtClean="0"/>
-              <a:t>2024-05-29</a:t>
+              <a:t>2024-06-01</a:t>
             </a:fld>
             <a:endParaRPr lang="zh-CN" altLang="en-US"/>
           </a:p>
@@ -1821,7 +1821,7 @@
           <a:p>
             <a:fld id="{BB907908-59CA-4E57-BDCF-0AFEC17AFD31}" type="datetimeFigureOut">
               <a:rPr lang="zh-CN" altLang="en-US" smtClean="0"/>
-              <a:t>2024-05-29</a:t>
+              <a:t>2024-06-01</a:t>
             </a:fld>
             <a:endParaRPr lang="zh-CN" altLang="en-US"/>
           </a:p>
@@ -1962,7 +1962,7 @@
           <a:p>
             <a:fld id="{BB907908-59CA-4E57-BDCF-0AFEC17AFD31}" type="datetimeFigureOut">
               <a:rPr lang="zh-CN" altLang="en-US" smtClean="0"/>
-              <a:t>2024-05-29</a:t>
+              <a:t>2024-06-01</a:t>
             </a:fld>
             <a:endParaRPr lang="zh-CN" altLang="en-US"/>
           </a:p>
@@ -2075,7 +2075,7 @@
           <a:p>
             <a:fld id="{BB907908-59CA-4E57-BDCF-0AFEC17AFD31}" type="datetimeFigureOut">
               <a:rPr lang="zh-CN" altLang="en-US" smtClean="0"/>
-              <a:t>2024-05-29</a:t>
+              <a:t>2024-06-01</a:t>
             </a:fld>
             <a:endParaRPr lang="zh-CN" altLang="en-US"/>
           </a:p>
@@ -2386,7 +2386,7 @@
           <a:p>
             <a:fld id="{BB907908-59CA-4E57-BDCF-0AFEC17AFD31}" type="datetimeFigureOut">
               <a:rPr lang="zh-CN" altLang="en-US" smtClean="0"/>
-              <a:t>2024-05-29</a:t>
+              <a:t>2024-06-01</a:t>
             </a:fld>
             <a:endParaRPr lang="zh-CN" altLang="en-US"/>
           </a:p>
@@ -2674,7 +2674,7 @@
           <a:p>
             <a:fld id="{BB907908-59CA-4E57-BDCF-0AFEC17AFD31}" type="datetimeFigureOut">
               <a:rPr lang="zh-CN" altLang="en-US" smtClean="0"/>
-              <a:t>2024-05-29</a:t>
+              <a:t>2024-06-01</a:t>
             </a:fld>
             <a:endParaRPr lang="zh-CN" altLang="en-US"/>
           </a:p>
@@ -2915,7 +2915,7 @@
           <a:p>
             <a:fld id="{BB907908-59CA-4E57-BDCF-0AFEC17AFD31}" type="datetimeFigureOut">
               <a:rPr lang="zh-CN" altLang="en-US" smtClean="0"/>
-              <a:t>2024-05-29</a:t>
+              <a:t>2024-06-01</a:t>
             </a:fld>
             <a:endParaRPr lang="zh-CN" altLang="en-US"/>
           </a:p>
@@ -6035,7 +6035,7 @@
         <p:spPr>
           <a:xfrm>
             <a:off x="465363" y="457200"/>
-            <a:ext cx="5404757" cy="1200329"/>
+            <a:ext cx="5404757" cy="1477328"/>
           </a:xfrm>
           <a:prstGeom prst="rect">
             <a:avLst/>
@@ -6069,8 +6069,12 @@
               <a:buAutoNum type="arabicPeriod"/>
             </a:pPr>
             <a:r>
+              <a:rPr lang="zh-CN" altLang="en-US"/>
+              <a:t>模型</a:t>
+            </a:r>
+            <a:r>
               <a:rPr lang="zh-CN" altLang="en-US" dirty="0"/>
-              <a:t>目前支持动态窗，静态的自己补充方法</a:t>
+              <a:t>远程服务器跑比较方便，系统目前还是本地服务更方便</a:t>
             </a:r>
             <a:endParaRPr lang="en-US" altLang="zh-CN" dirty="0"/>
           </a:p>
